--- a/4σέλιδο/Παρουσίαση/cest2023_demo_draft_v0.pptx
+++ b/4σέλιδο/Παρουσίαση/cest2023_demo_draft_v0.pptx
@@ -5,36 +5,38 @@
     <p:sldMasterId id="2147483659" r:id="rId1"/>
   </p:sldMasterIdLst>
   <p:notesMasterIdLst>
-    <p:notesMasterId r:id="rId10"/>
+    <p:notesMasterId r:id="rId12"/>
   </p:notesMasterIdLst>
   <p:sldIdLst>
     <p:sldId id="256" r:id="rId2"/>
     <p:sldId id="257" r:id="rId3"/>
-    <p:sldId id="259" r:id="rId4"/>
-    <p:sldId id="260" r:id="rId5"/>
-    <p:sldId id="261" r:id="rId6"/>
-    <p:sldId id="262" r:id="rId7"/>
-    <p:sldId id="258" r:id="rId8"/>
-    <p:sldId id="265" r:id="rId9"/>
+    <p:sldId id="266" r:id="rId4"/>
+    <p:sldId id="259" r:id="rId5"/>
+    <p:sldId id="267" r:id="rId6"/>
+    <p:sldId id="260" r:id="rId7"/>
+    <p:sldId id="261" r:id="rId8"/>
+    <p:sldId id="262" r:id="rId9"/>
+    <p:sldId id="258" r:id="rId10"/>
+    <p:sldId id="265" r:id="rId11"/>
   </p:sldIdLst>
   <p:sldSz cx="9144000" cy="5143500" type="screen16x9"/>
   <p:notesSz cx="6858000" cy="9144000"/>
   <p:embeddedFontLst>
     <p:embeddedFont>
       <p:font typeface="Cambria Math" panose="02040503050406030204" pitchFamily="18" charset="0"/>
-      <p:regular r:id="rId11"/>
+      <p:regular r:id="rId13"/>
     </p:embeddedFont>
     <p:embeddedFont>
       <p:font typeface="Open Sans" panose="020B0606030504020204" pitchFamily="34" charset="0"/>
-      <p:regular r:id="rId12"/>
-      <p:bold r:id="rId13"/>
-      <p:italic r:id="rId14"/>
-      <p:boldItalic r:id="rId15"/>
+      <p:regular r:id="rId14"/>
+      <p:bold r:id="rId15"/>
+      <p:italic r:id="rId16"/>
+      <p:boldItalic r:id="rId17"/>
     </p:embeddedFont>
     <p:embeddedFont>
       <p:font typeface="Open Sans SemiBold" panose="020B0706030804020204" pitchFamily="34" charset="0"/>
-      <p:bold r:id="rId16"/>
-      <p:boldItalic r:id="rId17"/>
+      <p:bold r:id="rId18"/>
+      <p:boldItalic r:id="rId19"/>
     </p:embeddedFont>
   </p:embeddedFontLst>
   <p:defaultTextStyle>
@@ -840,6 +842,115 @@
 </p:notes>
 </file>
 
+<file path=ppt/notesSlides/notesSlide10.xml><?xml version="1.0" encoding="utf-8"?>
+<p:notes xmlns:a="http://schemas.openxmlformats.org/drawingml/2006/main" xmlns:r="http://schemas.openxmlformats.org/officeDocument/2006/relationships" xmlns:p="http://schemas.openxmlformats.org/presentationml/2006/main" showMasterSp="0" showMasterPhAnim="0">
+  <p:cSld>
+    <p:spTree>
+      <p:nvGrpSpPr>
+        <p:cNvPr id="1" name="Shape 58"/>
+        <p:cNvGrpSpPr/>
+        <p:nvPr/>
+      </p:nvGrpSpPr>
+      <p:grpSpPr>
+        <a:xfrm>
+          <a:off x="0" y="0"/>
+          <a:ext cx="0" cy="0"/>
+          <a:chOff x="0" y="0"/>
+          <a:chExt cx="0" cy="0"/>
+        </a:xfrm>
+      </p:grpSpPr>
+      <p:sp>
+        <p:nvSpPr>
+          <p:cNvPr id="59" name="Google Shape;59;g194c55d3b57_0_0:notes"/>
+          <p:cNvSpPr>
+            <a:spLocks noGrp="1" noRot="1" noChangeAspect="1"/>
+          </p:cNvSpPr>
+          <p:nvPr>
+            <p:ph type="sldImg" idx="2"/>
+          </p:nvPr>
+        </p:nvSpPr>
+        <p:spPr>
+          <a:xfrm>
+            <a:off x="381000" y="685800"/>
+            <a:ext cx="6096000" cy="3429000"/>
+          </a:xfrm>
+          <a:custGeom>
+            <a:avLst/>
+            <a:gdLst/>
+            <a:ahLst/>
+            <a:cxnLst/>
+            <a:rect l="l" t="t" r="r" b="b"/>
+            <a:pathLst>
+              <a:path w="120000" h="120000" extrusionOk="0">
+                <a:moveTo>
+                  <a:pt x="0" y="0"/>
+                </a:moveTo>
+                <a:lnTo>
+                  <a:pt x="120000" y="0"/>
+                </a:lnTo>
+                <a:lnTo>
+                  <a:pt x="120000" y="120000"/>
+                </a:lnTo>
+                <a:lnTo>
+                  <a:pt x="0" y="120000"/>
+                </a:lnTo>
+                <a:close/>
+              </a:path>
+            </a:pathLst>
+          </a:custGeom>
+        </p:spPr>
+      </p:sp>
+      <p:sp>
+        <p:nvSpPr>
+          <p:cNvPr id="60" name="Google Shape;60;g194c55d3b57_0_0:notes"/>
+          <p:cNvSpPr txBox="1">
+            <a:spLocks noGrp="1"/>
+          </p:cNvSpPr>
+          <p:nvPr>
+            <p:ph type="body" idx="1"/>
+          </p:nvPr>
+        </p:nvSpPr>
+        <p:spPr>
+          <a:xfrm>
+            <a:off x="685800" y="4343400"/>
+            <a:ext cx="5486400" cy="4114800"/>
+          </a:xfrm>
+          <a:prstGeom prst="rect">
+            <a:avLst/>
+          </a:prstGeom>
+        </p:spPr>
+        <p:txBody>
+          <a:bodyPr spcFirstLastPara="1" wrap="square" lIns="91425" tIns="91425" rIns="91425" bIns="91425" anchor="t" anchorCtr="0">
+            <a:noAutofit/>
+          </a:bodyPr>
+          <a:lstStyle/>
+          <a:p>
+            <a:pPr marL="0" lvl="0" indent="0" algn="l" rtl="0">
+              <a:spcBef>
+                <a:spcPts val="0"/>
+              </a:spcBef>
+              <a:spcAft>
+                <a:spcPts val="0"/>
+              </a:spcAft>
+              <a:buNone/>
+            </a:pPr>
+            <a:endParaRPr/>
+          </a:p>
+        </p:txBody>
+      </p:sp>
+    </p:spTree>
+    <p:extLst>
+      <p:ext uri="{BB962C8B-B14F-4D97-AF65-F5344CB8AC3E}">
+        <p14:creationId xmlns:p14="http://schemas.microsoft.com/office/powerpoint/2010/main" val="3099398269"/>
+      </p:ext>
+    </p:extLst>
+  </p:cSld>
+  <p:clrMapOvr>
+    <a:masterClrMapping/>
+  </p:clrMapOvr>
+</p:notes>
+</file>
+
 <file path=ppt/notesSlides/notesSlide2.xml><?xml version="1.0" encoding="utf-8"?>
 <p:notes xmlns:a="http://schemas.openxmlformats.org/drawingml/2006/main" xmlns:r="http://schemas.openxmlformats.org/officeDocument/2006/relationships" xmlns:p="http://schemas.openxmlformats.org/presentationml/2006/main" showMasterSp="0" showMasterPhAnim="0">
   <p:cSld>
@@ -936,6 +1047,203 @@
               <a:rPr lang="en-US" dirty="0"/>
               <a:t>I suppose since the topic is Carbon Market that the EU ETS is been well explained before. Should I try to present it again?</a:t>
             </a:r>
+          </a:p>
+          <a:p>
+            <a:pPr marL="0" lvl="0" indent="0" algn="l" rtl="0">
+              <a:spcBef>
+                <a:spcPts val="0"/>
+              </a:spcBef>
+              <a:spcAft>
+                <a:spcPts val="0"/>
+              </a:spcAft>
+              <a:buNone/>
+            </a:pPr>
+            <a:endParaRPr lang="en-US" dirty="0"/>
+          </a:p>
+          <a:p>
+            <a:pPr marL="171450" lvl="0" indent="-171450" algn="l" rtl="0">
+              <a:spcBef>
+                <a:spcPts val="0"/>
+              </a:spcBef>
+              <a:spcAft>
+                <a:spcPts val="0"/>
+              </a:spcAft>
+              <a:buFont typeface="Arial" panose="020B0604020202020204" pitchFamily="34" charset="0"/>
+              <a:buChar char="•"/>
+            </a:pPr>
+            <a:r>
+              <a:rPr lang="en-US" sz="1100" dirty="0">
+                <a:latin typeface="Open Sans"/>
+                <a:ea typeface="Open Sans"/>
+                <a:cs typeface="Open Sans"/>
+                <a:sym typeface="Open Sans"/>
+              </a:rPr>
+              <a:t>The Largest Emission Trading System</a:t>
+            </a:r>
+          </a:p>
+          <a:p>
+            <a:pPr marL="171450" lvl="0" indent="-171450" algn="l" rtl="0">
+              <a:spcBef>
+                <a:spcPts val="0"/>
+              </a:spcBef>
+              <a:spcAft>
+                <a:spcPts val="0"/>
+              </a:spcAft>
+              <a:buFont typeface="Arial" panose="020B0604020202020204" pitchFamily="34" charset="0"/>
+              <a:buChar char="•"/>
+            </a:pPr>
+            <a:r>
+              <a:rPr lang="en-US" sz="1100" dirty="0">
+                <a:latin typeface="Open Sans"/>
+                <a:ea typeface="Open Sans"/>
+                <a:cs typeface="Open Sans"/>
+                <a:sym typeface="Open Sans"/>
+              </a:rPr>
+              <a:t>CO</a:t>
+            </a:r>
+            <a:r>
+              <a:rPr lang="en-US" sz="1100" baseline="-25000" dirty="0">
+                <a:latin typeface="Open Sans"/>
+                <a:ea typeface="Open Sans"/>
+                <a:cs typeface="Open Sans"/>
+                <a:sym typeface="Open Sans"/>
+              </a:rPr>
+              <a:t>2</a:t>
+            </a:r>
+            <a:r>
+              <a:rPr lang="en-US" sz="1100" dirty="0">
+                <a:latin typeface="Open Sans"/>
+                <a:ea typeface="Open Sans"/>
+                <a:cs typeface="Open Sans"/>
+                <a:sym typeface="Open Sans"/>
+              </a:rPr>
+              <a:t>, N</a:t>
+            </a:r>
+            <a:r>
+              <a:rPr lang="en-US" sz="1100" baseline="-25000" dirty="0">
+                <a:latin typeface="Open Sans"/>
+                <a:ea typeface="Open Sans"/>
+                <a:cs typeface="Open Sans"/>
+                <a:sym typeface="Open Sans"/>
+              </a:rPr>
+              <a:t>2</a:t>
+            </a:r>
+            <a:r>
+              <a:rPr lang="en-US" sz="1100" dirty="0">
+                <a:latin typeface="Open Sans"/>
+                <a:ea typeface="Open Sans"/>
+                <a:cs typeface="Open Sans"/>
+                <a:sym typeface="Open Sans"/>
+              </a:rPr>
+              <a:t>O and PFCs</a:t>
+            </a:r>
+          </a:p>
+          <a:p>
+            <a:pPr marL="171450" lvl="0" indent="-171450" algn="l" rtl="0">
+              <a:spcBef>
+                <a:spcPts val="0"/>
+              </a:spcBef>
+              <a:spcAft>
+                <a:spcPts val="0"/>
+              </a:spcAft>
+              <a:buFont typeface="Arial" panose="020B0604020202020204" pitchFamily="34" charset="0"/>
+              <a:buChar char="•"/>
+            </a:pPr>
+            <a:r>
+              <a:rPr lang="en-US" sz="1100" dirty="0">
+                <a:solidFill>
+                  <a:schemeClr val="dk1"/>
+                </a:solidFill>
+                <a:latin typeface="Open Sans"/>
+                <a:ea typeface="Open Sans"/>
+                <a:cs typeface="Open Sans"/>
+                <a:sym typeface="Open Sans"/>
+              </a:rPr>
+              <a:t>Cap on GHG emissions</a:t>
+            </a:r>
+          </a:p>
+          <a:p>
+            <a:pPr marL="171450" lvl="0" indent="-171450" algn="l" rtl="0">
+              <a:spcBef>
+                <a:spcPts val="0"/>
+              </a:spcBef>
+              <a:spcAft>
+                <a:spcPts val="0"/>
+              </a:spcAft>
+              <a:buFont typeface="Arial" panose="020B0604020202020204" pitchFamily="34" charset="0"/>
+              <a:buChar char="•"/>
+            </a:pPr>
+            <a:r>
+              <a:rPr lang="en-US" sz="1100" dirty="0">
+                <a:solidFill>
+                  <a:schemeClr val="dk1"/>
+                </a:solidFill>
+                <a:latin typeface="Open Sans"/>
+                <a:ea typeface="Open Sans"/>
+                <a:cs typeface="Open Sans"/>
+                <a:sym typeface="Open Sans"/>
+              </a:rPr>
+              <a:t>Linear reduction on emissions of 1.74 to 2.2% every year.</a:t>
+            </a:r>
+          </a:p>
+          <a:p>
+            <a:pPr marL="171450" lvl="0" indent="-171450" algn="l" rtl="0">
+              <a:spcBef>
+                <a:spcPts val="0"/>
+              </a:spcBef>
+              <a:spcAft>
+                <a:spcPts val="0"/>
+              </a:spcAft>
+              <a:buFont typeface="Arial" panose="020B0604020202020204" pitchFamily="34" charset="0"/>
+              <a:buChar char="•"/>
+            </a:pPr>
+            <a:r>
+              <a:rPr lang="en-US" sz="1100" dirty="0">
+                <a:solidFill>
+                  <a:schemeClr val="dk1"/>
+                </a:solidFill>
+                <a:latin typeface="Open Sans"/>
+                <a:ea typeface="Open Sans"/>
+                <a:cs typeface="Open Sans"/>
+                <a:sym typeface="Open Sans"/>
+              </a:rPr>
+              <a:t>Phases I, II, III, IV</a:t>
+            </a:r>
+          </a:p>
+          <a:p>
+            <a:pPr marL="171450" lvl="0" indent="-171450" algn="l" rtl="0">
+              <a:spcBef>
+                <a:spcPts val="0"/>
+              </a:spcBef>
+              <a:spcAft>
+                <a:spcPts val="0"/>
+              </a:spcAft>
+              <a:buFont typeface="Arial" panose="020B0604020202020204" pitchFamily="34" charset="0"/>
+              <a:buChar char="•"/>
+            </a:pPr>
+            <a:r>
+              <a:rPr lang="en-US" sz="1100" dirty="0">
+                <a:solidFill>
+                  <a:schemeClr val="dk1"/>
+                </a:solidFill>
+                <a:latin typeface="Open Sans"/>
+                <a:ea typeface="Open Sans"/>
+                <a:cs typeface="Open Sans"/>
+                <a:sym typeface="Open Sans"/>
+              </a:rPr>
+              <a:t>Possible problems?</a:t>
+            </a:r>
+          </a:p>
+          <a:p>
+            <a:pPr marL="0" lvl="0" indent="0" algn="l" rtl="0">
+              <a:spcBef>
+                <a:spcPts val="0"/>
+              </a:spcBef>
+              <a:spcAft>
+                <a:spcPts val="0"/>
+              </a:spcAft>
+              <a:buNone/>
+            </a:pPr>
             <a:endParaRPr dirty="0"/>
           </a:p>
         </p:txBody>
@@ -1046,13 +1354,194 @@
               <a:buNone/>
             </a:pPr>
             <a:r>
+              <a:rPr lang="en-US" dirty="0"/>
+              <a:t>I suppose since the topic is Carbon Market that the EU ETS is been well explained before. Should I try to present it again?</a:t>
+            </a:r>
+          </a:p>
+          <a:p>
+            <a:pPr marL="0" lvl="0" indent="0" algn="l" rtl="0">
+              <a:spcBef>
+                <a:spcPts val="0"/>
+              </a:spcBef>
+              <a:spcAft>
+                <a:spcPts val="0"/>
+              </a:spcAft>
+              <a:buNone/>
+            </a:pPr>
+            <a:endParaRPr lang="en-US" dirty="0"/>
+          </a:p>
+          <a:p>
+            <a:pPr marL="171450" lvl="0" indent="-171450" algn="l" rtl="0">
+              <a:spcBef>
+                <a:spcPts val="0"/>
+              </a:spcBef>
+              <a:spcAft>
+                <a:spcPts val="0"/>
+              </a:spcAft>
+              <a:buFont typeface="Arial" panose="020B0604020202020204" pitchFamily="34" charset="0"/>
+              <a:buChar char="•"/>
+            </a:pPr>
+            <a:r>
               <a:rPr lang="en-US" sz="1100" dirty="0">
-                <a:latin typeface="+mj-lt"/>
+                <a:latin typeface="Open Sans"/>
                 <a:ea typeface="Open Sans"/>
                 <a:cs typeface="Open Sans"/>
                 <a:sym typeface="Open Sans"/>
               </a:rPr>
-              <a:t>What is it?</a:t>
+              <a:t>The Largest Emission Trading System</a:t>
+            </a:r>
+          </a:p>
+          <a:p>
+            <a:pPr marL="171450" lvl="0" indent="-171450" algn="l" rtl="0">
+              <a:spcBef>
+                <a:spcPts val="0"/>
+              </a:spcBef>
+              <a:spcAft>
+                <a:spcPts val="0"/>
+              </a:spcAft>
+              <a:buFont typeface="Arial" panose="020B0604020202020204" pitchFamily="34" charset="0"/>
+              <a:buChar char="•"/>
+            </a:pPr>
+            <a:r>
+              <a:rPr lang="en-US" sz="1100" dirty="0">
+                <a:latin typeface="Open Sans"/>
+                <a:ea typeface="Open Sans"/>
+                <a:cs typeface="Open Sans"/>
+                <a:sym typeface="Open Sans"/>
+              </a:rPr>
+              <a:t>CO</a:t>
+            </a:r>
+            <a:r>
+              <a:rPr lang="en-US" sz="1100" baseline="-25000" dirty="0">
+                <a:latin typeface="Open Sans"/>
+                <a:ea typeface="Open Sans"/>
+                <a:cs typeface="Open Sans"/>
+                <a:sym typeface="Open Sans"/>
+              </a:rPr>
+              <a:t>2</a:t>
+            </a:r>
+            <a:r>
+              <a:rPr lang="en-US" sz="1100" dirty="0">
+                <a:latin typeface="Open Sans"/>
+                <a:ea typeface="Open Sans"/>
+                <a:cs typeface="Open Sans"/>
+                <a:sym typeface="Open Sans"/>
+              </a:rPr>
+              <a:t>, N</a:t>
+            </a:r>
+            <a:r>
+              <a:rPr lang="en-US" sz="1100" baseline="-25000" dirty="0">
+                <a:latin typeface="Open Sans"/>
+                <a:ea typeface="Open Sans"/>
+                <a:cs typeface="Open Sans"/>
+                <a:sym typeface="Open Sans"/>
+              </a:rPr>
+              <a:t>2</a:t>
+            </a:r>
+            <a:r>
+              <a:rPr lang="en-US" sz="1100" dirty="0">
+                <a:latin typeface="Open Sans"/>
+                <a:ea typeface="Open Sans"/>
+                <a:cs typeface="Open Sans"/>
+                <a:sym typeface="Open Sans"/>
+              </a:rPr>
+              <a:t>O and PFCs</a:t>
+            </a:r>
+          </a:p>
+          <a:p>
+            <a:pPr marL="171450" lvl="0" indent="-171450" algn="l" rtl="0">
+              <a:spcBef>
+                <a:spcPts val="0"/>
+              </a:spcBef>
+              <a:spcAft>
+                <a:spcPts val="0"/>
+              </a:spcAft>
+              <a:buFont typeface="Arial" panose="020B0604020202020204" pitchFamily="34" charset="0"/>
+              <a:buChar char="•"/>
+            </a:pPr>
+            <a:r>
+              <a:rPr lang="en-US" sz="1100" dirty="0">
+                <a:solidFill>
+                  <a:schemeClr val="dk1"/>
+                </a:solidFill>
+                <a:latin typeface="Open Sans"/>
+                <a:ea typeface="Open Sans"/>
+                <a:cs typeface="Open Sans"/>
+                <a:sym typeface="Open Sans"/>
+              </a:rPr>
+              <a:t>Cap on GHG emissions</a:t>
+            </a:r>
+          </a:p>
+          <a:p>
+            <a:pPr marL="171450" lvl="0" indent="-171450" algn="l" rtl="0">
+              <a:spcBef>
+                <a:spcPts val="0"/>
+              </a:spcBef>
+              <a:spcAft>
+                <a:spcPts val="0"/>
+              </a:spcAft>
+              <a:buFont typeface="Arial" panose="020B0604020202020204" pitchFamily="34" charset="0"/>
+              <a:buChar char="•"/>
+            </a:pPr>
+            <a:r>
+              <a:rPr lang="en-US" sz="1100" dirty="0">
+                <a:solidFill>
+                  <a:schemeClr val="dk1"/>
+                </a:solidFill>
+                <a:latin typeface="Open Sans"/>
+                <a:ea typeface="Open Sans"/>
+                <a:cs typeface="Open Sans"/>
+                <a:sym typeface="Open Sans"/>
+              </a:rPr>
+              <a:t>Linear reduction on emissions of 1.74 to 2.2% every year.</a:t>
+            </a:r>
+          </a:p>
+          <a:p>
+            <a:pPr marL="171450" lvl="0" indent="-171450" algn="l" rtl="0">
+              <a:spcBef>
+                <a:spcPts val="0"/>
+              </a:spcBef>
+              <a:spcAft>
+                <a:spcPts val="0"/>
+              </a:spcAft>
+              <a:buFont typeface="Arial" panose="020B0604020202020204" pitchFamily="34" charset="0"/>
+              <a:buChar char="•"/>
+            </a:pPr>
+            <a:r>
+              <a:rPr lang="en-US" sz="1100" dirty="0">
+                <a:solidFill>
+                  <a:schemeClr val="dk1"/>
+                </a:solidFill>
+                <a:latin typeface="Open Sans"/>
+                <a:ea typeface="Open Sans"/>
+                <a:cs typeface="Open Sans"/>
+                <a:sym typeface="Open Sans"/>
+              </a:rPr>
+              <a:t>Phases I, II, III, IV</a:t>
+            </a:r>
+          </a:p>
+          <a:p>
+            <a:pPr marL="171450" lvl="0" indent="-171450" algn="l" rtl="0">
+              <a:spcBef>
+                <a:spcPts val="0"/>
+              </a:spcBef>
+              <a:spcAft>
+                <a:spcPts val="0"/>
+              </a:spcAft>
+              <a:buFont typeface="Arial" panose="020B0604020202020204" pitchFamily="34" charset="0"/>
+              <a:buChar char="•"/>
+            </a:pPr>
+            <a:r>
+              <a:rPr lang="en-US" sz="1100" dirty="0">
+                <a:solidFill>
+                  <a:schemeClr val="dk1"/>
+                </a:solidFill>
+                <a:latin typeface="Open Sans"/>
+                <a:ea typeface="Open Sans"/>
+                <a:cs typeface="Open Sans"/>
+                <a:sym typeface="Open Sans"/>
+              </a:rPr>
+              <a:t>Possible problems?</a:t>
             </a:r>
           </a:p>
           <a:p>
@@ -1065,184 +1554,14 @@
               </a:spcAft>
               <a:buNone/>
             </a:pPr>
-            <a:r>
-              <a:rPr lang="el-GR" b="0" i="0" dirty="0">
-                <a:solidFill>
-                  <a:srgbClr val="E8EAED"/>
-                </a:solidFill>
-                <a:effectLst/>
-                <a:latin typeface="+mj-lt"/>
-              </a:rPr>
-              <a:t>Αντί να μειώνονται οι ρίποι, απλώς μεταφέρονται εκτός του δικτύου. Άρα και ο στόχος δεν επιτυγχάνεται και η ΕΕ </a:t>
-            </a:r>
-            <a:r>
-              <a:rPr lang="el-GR" b="0" i="0" dirty="0" err="1">
-                <a:solidFill>
-                  <a:srgbClr val="E8EAED"/>
-                </a:solidFill>
-                <a:effectLst/>
-                <a:latin typeface="+mj-lt"/>
-              </a:rPr>
-              <a:t>αποδυναμόνεται</a:t>
-            </a:r>
-            <a:r>
-              <a:rPr lang="el-GR" b="0" i="0" dirty="0">
-                <a:solidFill>
-                  <a:srgbClr val="E8EAED"/>
-                </a:solidFill>
-                <a:effectLst/>
-                <a:latin typeface="+mj-lt"/>
-              </a:rPr>
-              <a:t> συγκριτικά με τους δίπλα «παίκτες».</a:t>
-            </a:r>
-          </a:p>
-          <a:p>
-            <a:pPr marL="0" lvl="0" indent="0" algn="l" rtl="0">
-              <a:spcBef>
-                <a:spcPts val="0"/>
-              </a:spcBef>
-              <a:spcAft>
-                <a:spcPts val="0"/>
-              </a:spcAft>
-              <a:buNone/>
-            </a:pPr>
-            <a:r>
-              <a:rPr lang="el-GR" sz="1100" b="0" i="0" dirty="0">
-                <a:solidFill>
-                  <a:srgbClr val="E8EAED"/>
-                </a:solidFill>
-                <a:effectLst/>
-                <a:latin typeface="+mj-lt"/>
-                <a:ea typeface="Open Sans"/>
-                <a:cs typeface="Open Sans"/>
-                <a:sym typeface="Open Sans"/>
-              </a:rPr>
-              <a:t>Για να το διορθώσουμε αυτό: </a:t>
-            </a:r>
-            <a:r>
-              <a:rPr lang="en-US" sz="1100" b="0" i="0" dirty="0">
-                <a:solidFill>
-                  <a:srgbClr val="E8EAED"/>
-                </a:solidFill>
-                <a:effectLst/>
-                <a:latin typeface="+mj-lt"/>
-                <a:ea typeface="Open Sans"/>
-                <a:cs typeface="Open Sans"/>
-                <a:sym typeface="Open Sans"/>
-              </a:rPr>
-              <a:t>Grandfathering (</a:t>
-            </a:r>
-            <a:r>
-              <a:rPr lang="el-GR" sz="1100" b="0" i="0" dirty="0">
-                <a:solidFill>
-                  <a:srgbClr val="E8EAED"/>
-                </a:solidFill>
-                <a:effectLst/>
-                <a:latin typeface="+mj-lt"/>
-                <a:ea typeface="Open Sans"/>
-                <a:cs typeface="Open Sans"/>
-                <a:sym typeface="Open Sans"/>
-              </a:rPr>
-              <a:t>φάση Ι,ΙΙ</a:t>
-            </a:r>
-            <a:r>
-              <a:rPr lang="en-US" sz="1100" b="0" i="0" dirty="0">
-                <a:solidFill>
-                  <a:srgbClr val="E8EAED"/>
-                </a:solidFill>
-                <a:effectLst/>
-                <a:latin typeface="+mj-lt"/>
-                <a:ea typeface="Open Sans"/>
-                <a:cs typeface="Open Sans"/>
-                <a:sym typeface="Open Sans"/>
-              </a:rPr>
-              <a:t>)</a:t>
-            </a:r>
-            <a:r>
-              <a:rPr lang="el-GR" sz="1100" b="0" i="0" dirty="0">
-                <a:solidFill>
-                  <a:srgbClr val="E8EAED"/>
-                </a:solidFill>
-                <a:effectLst/>
-                <a:latin typeface="+mj-lt"/>
-                <a:ea typeface="Open Sans"/>
-                <a:cs typeface="Open Sans"/>
-                <a:sym typeface="Open Sans"/>
-              </a:rPr>
-              <a:t> ή </a:t>
-            </a:r>
-            <a:r>
-              <a:rPr lang="en-US" sz="1100" b="0" i="0" dirty="0">
-                <a:solidFill>
-                  <a:srgbClr val="E8EAED"/>
-                </a:solidFill>
-                <a:effectLst/>
-                <a:latin typeface="+mj-lt"/>
-                <a:ea typeface="Open Sans"/>
-                <a:cs typeface="Open Sans"/>
-                <a:sym typeface="Open Sans"/>
-              </a:rPr>
-              <a:t>Benchmark + free</a:t>
-            </a:r>
-            <a:endParaRPr lang="en-US" sz="1100" dirty="0">
-              <a:latin typeface="+mj-lt"/>
-              <a:ea typeface="Open Sans"/>
-              <a:cs typeface="Open Sans"/>
-              <a:sym typeface="Open Sans"/>
-            </a:endParaRPr>
-          </a:p>
-          <a:p>
-            <a:pPr marL="0" lvl="0" indent="0" algn="l" rtl="0">
-              <a:spcBef>
-                <a:spcPts val="0"/>
-              </a:spcBef>
-              <a:spcAft>
-                <a:spcPts val="0"/>
-              </a:spcAft>
-              <a:buNone/>
-            </a:pPr>
-            <a:r>
-              <a:rPr lang="el-GR" sz="1100" dirty="0">
-                <a:solidFill>
-                  <a:schemeClr val="dk1"/>
-                </a:solidFill>
-                <a:latin typeface="+mj-lt"/>
-                <a:ea typeface="Open Sans"/>
-                <a:cs typeface="Open Sans"/>
-                <a:sym typeface="Open Sans"/>
-              </a:rPr>
-              <a:t>Είναι όμως δίκαιο το σύστημα;</a:t>
-            </a:r>
-            <a:endParaRPr lang="en-US" sz="1100" dirty="0">
-              <a:solidFill>
-                <a:schemeClr val="dk1"/>
-              </a:solidFill>
-              <a:latin typeface="+mj-lt"/>
-              <a:ea typeface="Open Sans"/>
-              <a:cs typeface="Open Sans"/>
-              <a:sym typeface="Open Sans"/>
-            </a:endParaRPr>
-          </a:p>
-          <a:p>
-            <a:pPr marL="0" lvl="0" indent="0" algn="l" rtl="0">
-              <a:spcBef>
-                <a:spcPts val="0"/>
-              </a:spcBef>
-              <a:spcAft>
-                <a:spcPts val="0"/>
-              </a:spcAft>
-              <a:buNone/>
-            </a:pPr>
-            <a:endParaRPr dirty="0">
-              <a:latin typeface="+mj-lt"/>
-            </a:endParaRPr>
+            <a:endParaRPr dirty="0"/>
           </a:p>
         </p:txBody>
       </p:sp>
     </p:spTree>
     <p:extLst>
       <p:ext uri="{BB962C8B-B14F-4D97-AF65-F5344CB8AC3E}">
-        <p14:creationId xmlns:p14="http://schemas.microsoft.com/office/powerpoint/2010/main" val="4005102176"/>
+        <p14:creationId xmlns:p14="http://schemas.microsoft.com/office/powerpoint/2010/main" val="3581595253"/>
       </p:ext>
     </p:extLst>
   </p:cSld>
@@ -1346,12 +1665,12 @@
             </a:pPr>
             <a:r>
               <a:rPr lang="en-US" sz="1100" dirty="0">
-                <a:latin typeface="Open Sans"/>
+                <a:latin typeface="+mj-lt"/>
                 <a:ea typeface="Open Sans"/>
                 <a:cs typeface="Open Sans"/>
                 <a:sym typeface="Open Sans"/>
               </a:rPr>
-              <a:t>Designed to be fair between sectors</a:t>
+              <a:t>What is it?</a:t>
             </a:r>
           </a:p>
           <a:p>
@@ -1365,34 +1684,126 @@
               <a:buNone/>
             </a:pPr>
             <a:r>
-              <a:rPr lang="en-US" sz="1100" dirty="0">
+              <a:rPr lang="el-GR" b="0" i="0" dirty="0">
                 <a:solidFill>
-                  <a:schemeClr val="dk1"/>
+                  <a:srgbClr val="E8EAED"/>
                 </a:solidFill>
-                <a:latin typeface="Open Sans"/>
+                <a:effectLst/>
+                <a:latin typeface="+mj-lt"/>
+              </a:rPr>
+              <a:t>Αντί να μειώνονται οι ρίποι, απλώς μεταφέρονται εκτός του δικτύου. Άρα και ο στόχος δεν επιτυγχάνεται και η ΕΕ </a:t>
+            </a:r>
+            <a:r>
+              <a:rPr lang="el-GR" b="0" i="0" dirty="0" err="1">
+                <a:solidFill>
+                  <a:srgbClr val="E8EAED"/>
+                </a:solidFill>
+                <a:effectLst/>
+                <a:latin typeface="+mj-lt"/>
+              </a:rPr>
+              <a:t>αποδυναμόνεται</a:t>
+            </a:r>
+            <a:r>
+              <a:rPr lang="el-GR" b="0" i="0" dirty="0">
+                <a:solidFill>
+                  <a:srgbClr val="E8EAED"/>
+                </a:solidFill>
+                <a:effectLst/>
+                <a:latin typeface="+mj-lt"/>
+              </a:rPr>
+              <a:t> συγκριτικά με τους δίπλα «παίκτες».</a:t>
+            </a:r>
+          </a:p>
+          <a:p>
+            <a:pPr marL="0" lvl="0" indent="0" algn="l" rtl="0">
+              <a:spcBef>
+                <a:spcPts val="0"/>
+              </a:spcBef>
+              <a:spcAft>
+                <a:spcPts val="0"/>
+              </a:spcAft>
+              <a:buNone/>
+            </a:pPr>
+            <a:r>
+              <a:rPr lang="el-GR" sz="1100" b="0" i="0" dirty="0">
+                <a:solidFill>
+                  <a:srgbClr val="E8EAED"/>
+                </a:solidFill>
+                <a:effectLst/>
+                <a:latin typeface="+mj-lt"/>
                 <a:ea typeface="Open Sans"/>
                 <a:cs typeface="Open Sans"/>
                 <a:sym typeface="Open Sans"/>
               </a:rPr>
-              <a:t>Is it fair between other Stakeholders?</a:t>
+              <a:t>Για να το διορθώσουμε αυτό: </a:t>
             </a:r>
             <a:r>
-              <a:rPr lang="el-GR" sz="1100" dirty="0">
+              <a:rPr lang="en-US" sz="1100" b="0" i="0" dirty="0">
                 <a:solidFill>
-                  <a:schemeClr val="dk1"/>
+                  <a:srgbClr val="E8EAED"/>
                 </a:solidFill>
-                <a:latin typeface="Open Sans"/>
+                <a:effectLst/>
+                <a:latin typeface="+mj-lt"/>
                 <a:ea typeface="Open Sans"/>
                 <a:cs typeface="Open Sans"/>
                 <a:sym typeface="Open Sans"/>
               </a:rPr>
-              <a:t> Θα εξετάσουμε τι συμβαίνει μεταξύ χωρών</a:t>
+              <a:t>Grandfathering (</a:t>
+            </a:r>
+            <a:r>
+              <a:rPr lang="el-GR" sz="1100" b="0" i="0" dirty="0">
+                <a:solidFill>
+                  <a:srgbClr val="E8EAED"/>
+                </a:solidFill>
+                <a:effectLst/>
+                <a:latin typeface="+mj-lt"/>
+                <a:ea typeface="Open Sans"/>
+                <a:cs typeface="Open Sans"/>
+                <a:sym typeface="Open Sans"/>
+              </a:rPr>
+              <a:t>φάση Ι,ΙΙ</a:t>
+            </a:r>
+            <a:r>
+              <a:rPr lang="en-US" sz="1100" b="0" i="0" dirty="0">
+                <a:solidFill>
+                  <a:srgbClr val="E8EAED"/>
+                </a:solidFill>
+                <a:effectLst/>
+                <a:latin typeface="+mj-lt"/>
+                <a:ea typeface="Open Sans"/>
+                <a:cs typeface="Open Sans"/>
+                <a:sym typeface="Open Sans"/>
+              </a:rPr>
+              <a:t>)</a:t>
+            </a:r>
+            <a:r>
+              <a:rPr lang="el-GR" sz="1100" b="0" i="0" dirty="0">
+                <a:solidFill>
+                  <a:srgbClr val="E8EAED"/>
+                </a:solidFill>
+                <a:effectLst/>
+                <a:latin typeface="+mj-lt"/>
+                <a:ea typeface="Open Sans"/>
+                <a:cs typeface="Open Sans"/>
+                <a:sym typeface="Open Sans"/>
+              </a:rPr>
+              <a:t> ή </a:t>
+            </a:r>
+            <a:r>
+              <a:rPr lang="en-US" sz="1100" b="0" i="0" dirty="0">
+                <a:solidFill>
+                  <a:srgbClr val="E8EAED"/>
+                </a:solidFill>
+                <a:effectLst/>
+                <a:latin typeface="+mj-lt"/>
+                <a:ea typeface="Open Sans"/>
+                <a:cs typeface="Open Sans"/>
+                <a:sym typeface="Open Sans"/>
+              </a:rPr>
+              <a:t>Benchmark + free</a:t>
             </a:r>
             <a:endParaRPr lang="en-US" sz="1100" dirty="0">
-              <a:solidFill>
-                <a:schemeClr val="dk1"/>
-              </a:solidFill>
-              <a:latin typeface="Open Sans"/>
+              <a:latin typeface="+mj-lt"/>
               <a:ea typeface="Open Sans"/>
               <a:cs typeface="Open Sans"/>
               <a:sym typeface="Open Sans"/>
@@ -1409,45 +1820,22 @@
               <a:buNone/>
             </a:pPr>
             <a:r>
-              <a:rPr lang="en-US" sz="1100" dirty="0">
+              <a:rPr lang="el-GR" sz="1100" dirty="0">
                 <a:solidFill>
                   <a:schemeClr val="dk1"/>
                 </a:solidFill>
-                <a:latin typeface="Open Sans"/>
+                <a:latin typeface="+mj-lt"/>
                 <a:ea typeface="Open Sans"/>
                 <a:cs typeface="Open Sans"/>
                 <a:sym typeface="Open Sans"/>
               </a:rPr>
-              <a:t>How can this be measured? Equals, get Equal. Do they?</a:t>
-            </a:r>
-          </a:p>
-          <a:p>
-            <a:pPr marL="0" lvl="0" indent="0" algn="l" rtl="0">
-              <a:spcBef>
-                <a:spcPts val="0"/>
-              </a:spcBef>
-              <a:spcAft>
-                <a:spcPts val="0"/>
-              </a:spcAft>
-              <a:buNone/>
-            </a:pPr>
-            <a:r>
-              <a:rPr lang="el-GR" sz="1100" dirty="0">
-                <a:solidFill>
-                  <a:schemeClr val="dk1"/>
-                </a:solidFill>
-                <a:latin typeface="Open Sans"/>
-                <a:ea typeface="Open Sans"/>
-                <a:cs typeface="Open Sans"/>
-                <a:sym typeface="Open Sans"/>
-              </a:rPr>
-              <a:t>Βλέπουμε πως αποτυγχάνει κάπως, επομένως …</a:t>
+              <a:t>Είναι όμως δίκαιο το σύστημα;</a:t>
             </a:r>
             <a:endParaRPr lang="en-US" sz="1100" dirty="0">
               <a:solidFill>
                 <a:schemeClr val="dk1"/>
               </a:solidFill>
-              <a:latin typeface="Open Sans"/>
+              <a:latin typeface="+mj-lt"/>
               <a:ea typeface="Open Sans"/>
               <a:cs typeface="Open Sans"/>
               <a:sym typeface="Open Sans"/>
@@ -1463,14 +1851,16 @@
               </a:spcAft>
               <a:buNone/>
             </a:pPr>
-            <a:endParaRPr dirty="0"/>
+            <a:endParaRPr dirty="0">
+              <a:latin typeface="+mj-lt"/>
+            </a:endParaRPr>
           </a:p>
         </p:txBody>
       </p:sp>
     </p:spTree>
     <p:extLst>
       <p:ext uri="{BB962C8B-B14F-4D97-AF65-F5344CB8AC3E}">
-        <p14:creationId xmlns:p14="http://schemas.microsoft.com/office/powerpoint/2010/main" val="880470144"/>
+        <p14:creationId xmlns:p14="http://schemas.microsoft.com/office/powerpoint/2010/main" val="4005102176"/>
       </p:ext>
     </p:extLst>
   </p:cSld>
@@ -1573,17 +1963,150 @@
               <a:buNone/>
             </a:pPr>
             <a:r>
-              <a:rPr lang="el-GR" sz="1100" dirty="0">
-                <a:solidFill>
-                  <a:schemeClr val="dk1"/>
-                </a:solidFill>
-                <a:latin typeface="Open Sans"/>
+              <a:rPr lang="en-US" sz="1100" dirty="0">
+                <a:latin typeface="+mj-lt"/>
                 <a:ea typeface="Open Sans"/>
                 <a:cs typeface="Open Sans"/>
                 <a:sym typeface="Open Sans"/>
               </a:rPr>
-              <a:t>Παίρνοντας αρκετά δεδομένα για τις χώρες, τις χωρίσαμε σε 3 συστάδες. </a:t>
+              <a:t>What is it?</a:t>
             </a:r>
+          </a:p>
+          <a:p>
+            <a:pPr marL="0" lvl="0" indent="0" algn="l" rtl="0">
+              <a:spcBef>
+                <a:spcPts val="0"/>
+              </a:spcBef>
+              <a:spcAft>
+                <a:spcPts val="0"/>
+              </a:spcAft>
+              <a:buNone/>
+            </a:pPr>
+            <a:r>
+              <a:rPr lang="el-GR" b="0" i="0" dirty="0">
+                <a:solidFill>
+                  <a:srgbClr val="E8EAED"/>
+                </a:solidFill>
+                <a:effectLst/>
+                <a:latin typeface="+mj-lt"/>
+              </a:rPr>
+              <a:t>Αντί να μειώνονται οι ρίποι, απλώς μεταφέρονται εκτός του δικτύου. Άρα και ο στόχος δεν επιτυγχάνεται και η ΕΕ </a:t>
+            </a:r>
+            <a:r>
+              <a:rPr lang="el-GR" b="0" i="0" dirty="0" err="1">
+                <a:solidFill>
+                  <a:srgbClr val="E8EAED"/>
+                </a:solidFill>
+                <a:effectLst/>
+                <a:latin typeface="+mj-lt"/>
+              </a:rPr>
+              <a:t>αποδυναμόνεται</a:t>
+            </a:r>
+            <a:r>
+              <a:rPr lang="el-GR" b="0" i="0" dirty="0">
+                <a:solidFill>
+                  <a:srgbClr val="E8EAED"/>
+                </a:solidFill>
+                <a:effectLst/>
+                <a:latin typeface="+mj-lt"/>
+              </a:rPr>
+              <a:t> συγκριτικά με τους δίπλα «παίκτες».</a:t>
+            </a:r>
+          </a:p>
+          <a:p>
+            <a:pPr marL="0" lvl="0" indent="0" algn="l" rtl="0">
+              <a:spcBef>
+                <a:spcPts val="0"/>
+              </a:spcBef>
+              <a:spcAft>
+                <a:spcPts val="0"/>
+              </a:spcAft>
+              <a:buNone/>
+            </a:pPr>
+            <a:r>
+              <a:rPr lang="el-GR" sz="1100" b="0" i="0" dirty="0">
+                <a:solidFill>
+                  <a:srgbClr val="E8EAED"/>
+                </a:solidFill>
+                <a:effectLst/>
+                <a:latin typeface="+mj-lt"/>
+                <a:ea typeface="Open Sans"/>
+                <a:cs typeface="Open Sans"/>
+                <a:sym typeface="Open Sans"/>
+              </a:rPr>
+              <a:t>Για να το διορθώσουμε αυτό: </a:t>
+            </a:r>
+            <a:r>
+              <a:rPr lang="en-US" sz="1100" b="0" i="0" dirty="0">
+                <a:solidFill>
+                  <a:srgbClr val="E8EAED"/>
+                </a:solidFill>
+                <a:effectLst/>
+                <a:latin typeface="+mj-lt"/>
+                <a:ea typeface="Open Sans"/>
+                <a:cs typeface="Open Sans"/>
+                <a:sym typeface="Open Sans"/>
+              </a:rPr>
+              <a:t>Grandfathering (</a:t>
+            </a:r>
+            <a:r>
+              <a:rPr lang="el-GR" sz="1100" b="0" i="0" dirty="0">
+                <a:solidFill>
+                  <a:srgbClr val="E8EAED"/>
+                </a:solidFill>
+                <a:effectLst/>
+                <a:latin typeface="+mj-lt"/>
+                <a:ea typeface="Open Sans"/>
+                <a:cs typeface="Open Sans"/>
+                <a:sym typeface="Open Sans"/>
+              </a:rPr>
+              <a:t>φάση Ι,ΙΙ</a:t>
+            </a:r>
+            <a:r>
+              <a:rPr lang="en-US" sz="1100" b="0" i="0" dirty="0">
+                <a:solidFill>
+                  <a:srgbClr val="E8EAED"/>
+                </a:solidFill>
+                <a:effectLst/>
+                <a:latin typeface="+mj-lt"/>
+                <a:ea typeface="Open Sans"/>
+                <a:cs typeface="Open Sans"/>
+                <a:sym typeface="Open Sans"/>
+              </a:rPr>
+              <a:t>)</a:t>
+            </a:r>
+            <a:r>
+              <a:rPr lang="el-GR" sz="1100" b="0" i="0" dirty="0">
+                <a:solidFill>
+                  <a:srgbClr val="E8EAED"/>
+                </a:solidFill>
+                <a:effectLst/>
+                <a:latin typeface="+mj-lt"/>
+                <a:ea typeface="Open Sans"/>
+                <a:cs typeface="Open Sans"/>
+                <a:sym typeface="Open Sans"/>
+              </a:rPr>
+              <a:t> ή </a:t>
+            </a:r>
+            <a:r>
+              <a:rPr lang="en-US" sz="1100" b="0" i="0" dirty="0">
+                <a:solidFill>
+                  <a:srgbClr val="E8EAED"/>
+                </a:solidFill>
+                <a:effectLst/>
+                <a:latin typeface="+mj-lt"/>
+                <a:ea typeface="Open Sans"/>
+                <a:cs typeface="Open Sans"/>
+                <a:sym typeface="Open Sans"/>
+              </a:rPr>
+              <a:t>Benchmark + free</a:t>
+            </a:r>
+            <a:endParaRPr lang="en-US" sz="1100" dirty="0">
+              <a:latin typeface="+mj-lt"/>
+              <a:ea typeface="Open Sans"/>
+              <a:cs typeface="Open Sans"/>
+              <a:sym typeface="Open Sans"/>
+            </a:endParaRPr>
           </a:p>
           <a:p>
             <a:pPr marL="0" lvl="0" indent="0" algn="l" rtl="0">
@@ -1600,37 +2123,22 @@
                 <a:solidFill>
                   <a:schemeClr val="dk1"/>
                 </a:solidFill>
-                <a:latin typeface="Open Sans"/>
+                <a:latin typeface="+mj-lt"/>
                 <a:ea typeface="Open Sans"/>
                 <a:cs typeface="Open Sans"/>
                 <a:sym typeface="Open Sans"/>
               </a:rPr>
-              <a:t>Η συστάδες εσωτερικά δείχνουν να εξηγούν καλύτερα το </a:t>
+              <a:t>Είναι όμως δίκαιο το σύστημα;</a:t>
             </a:r>
-            <a:r>
-              <a:rPr lang="en-US" sz="1100" dirty="0">
-                <a:solidFill>
-                  <a:schemeClr val="dk1"/>
-                </a:solidFill>
-                <a:latin typeface="Open Sans"/>
-                <a:ea typeface="Open Sans"/>
-                <a:cs typeface="Open Sans"/>
-                <a:sym typeface="Open Sans"/>
-              </a:rPr>
-              <a:t>allocation, </a:t>
-            </a:r>
-            <a:r>
-              <a:rPr lang="el-GR" sz="1100" dirty="0">
-                <a:solidFill>
-                  <a:schemeClr val="dk1"/>
-                </a:solidFill>
-                <a:latin typeface="Open Sans"/>
-                <a:ea typeface="Open Sans"/>
-                <a:cs typeface="Open Sans"/>
-                <a:sym typeface="Open Sans"/>
-              </a:rPr>
-              <a:t>όχι όμως αναγκαστικά με βάση το ίδιο δεδομένο. </a:t>
-            </a:r>
+            <a:endParaRPr lang="en-US" sz="1100" dirty="0">
+              <a:solidFill>
+                <a:schemeClr val="dk1"/>
+              </a:solidFill>
+              <a:latin typeface="+mj-lt"/>
+              <a:ea typeface="Open Sans"/>
+              <a:cs typeface="Open Sans"/>
+              <a:sym typeface="Open Sans"/>
+            </a:endParaRPr>
           </a:p>
           <a:p>
             <a:pPr marL="0" lvl="0" indent="0" algn="l" rtl="0">
@@ -1642,72 +2150,16 @@
               </a:spcAft>
               <a:buNone/>
             </a:pPr>
-            <a:r>
-              <a:rPr lang="el-GR" sz="1100" dirty="0">
-                <a:solidFill>
-                  <a:schemeClr val="dk1"/>
-                </a:solidFill>
-                <a:latin typeface="Open Sans"/>
-                <a:ea typeface="Open Sans"/>
-                <a:cs typeface="Open Sans"/>
-                <a:sym typeface="Open Sans"/>
-              </a:rPr>
-              <a:t>Το οποίο μας δείχνει ενδιαφέρουσες πληροφορίες, τις οποίες μπορούμε να μελετήσουμε αναλυτικά. </a:t>
-            </a:r>
-          </a:p>
-          <a:p>
-            <a:pPr marL="0" lvl="0" indent="0" algn="l" rtl="0">
-              <a:spcBef>
-                <a:spcPts val="0"/>
-              </a:spcBef>
-              <a:spcAft>
-                <a:spcPts val="0"/>
-              </a:spcAft>
-              <a:buNone/>
-            </a:pPr>
-            <a:r>
-              <a:rPr lang="el-GR" sz="1100" dirty="0">
-                <a:solidFill>
-                  <a:schemeClr val="dk1"/>
-                </a:solidFill>
-                <a:latin typeface="Open Sans"/>
-                <a:ea typeface="Open Sans"/>
-                <a:cs typeface="Open Sans"/>
-                <a:sym typeface="Open Sans"/>
-              </a:rPr>
-              <a:t>Θα μπορούσαμε να φτιάξουμε κάποιο μοντέλο το οποίο θα μπορούσε να μας βοηθήσει να καταλάβουμε γιατί είναι το </a:t>
-            </a:r>
-            <a:r>
-              <a:rPr lang="en-US" sz="1100" dirty="0">
-                <a:solidFill>
-                  <a:schemeClr val="dk1"/>
-                </a:solidFill>
-                <a:latin typeface="Open Sans"/>
-                <a:ea typeface="Open Sans"/>
-                <a:cs typeface="Open Sans"/>
-                <a:sym typeface="Open Sans"/>
-              </a:rPr>
-              <a:t>allocation </a:t>
-            </a:r>
-            <a:r>
-              <a:rPr lang="el-GR" sz="1100" dirty="0">
-                <a:solidFill>
-                  <a:schemeClr val="dk1"/>
-                </a:solidFill>
-                <a:latin typeface="Open Sans"/>
-                <a:ea typeface="Open Sans"/>
-                <a:cs typeface="Open Sans"/>
-                <a:sym typeface="Open Sans"/>
-              </a:rPr>
-              <a:t>όπως είναι;</a:t>
-            </a:r>
+            <a:endParaRPr dirty="0">
+              <a:latin typeface="+mj-lt"/>
+            </a:endParaRPr>
           </a:p>
         </p:txBody>
       </p:sp>
     </p:spTree>
     <p:extLst>
       <p:ext uri="{BB962C8B-B14F-4D97-AF65-F5344CB8AC3E}">
-        <p14:creationId xmlns:p14="http://schemas.microsoft.com/office/powerpoint/2010/main" val="222023541"/>
+        <p14:creationId xmlns:p14="http://schemas.microsoft.com/office/powerpoint/2010/main" val="3301446683"/>
       </p:ext>
     </p:extLst>
   </p:cSld>
@@ -1810,16 +2262,13 @@
               <a:buNone/>
             </a:pPr>
             <a:r>
-              <a:rPr lang="el-GR" dirty="0"/>
-              <a:t>Αυτή είναι η πρότασή μας για ένα απλό αλλά ευέλικτο πρόβλημα βελτιστοποίησης, το οποίο μπορεί να </a:t>
-            </a:r>
-            <a:r>
-              <a:rPr lang="el-GR" dirty="0" err="1"/>
-              <a:t>παραμετροποιηθεί</a:t>
-            </a:r>
-            <a:r>
-              <a:rPr lang="el-GR" dirty="0"/>
-              <a:t> σε πολύ μεγάλο βαθμό και να μας δείξει διαφορετικές αναθέσεις ρίπων. </a:t>
+              <a:rPr lang="en-US" sz="1100" dirty="0">
+                <a:latin typeface="Open Sans"/>
+                <a:ea typeface="Open Sans"/>
+                <a:cs typeface="Open Sans"/>
+                <a:sym typeface="Open Sans"/>
+              </a:rPr>
+              <a:t>Designed to be fair between sectors</a:t>
             </a:r>
           </a:p>
           <a:p>
@@ -1833,12 +2282,60 @@
               <a:buNone/>
             </a:pPr>
             <a:r>
-              <a:rPr lang="el-GR" dirty="0"/>
-              <a:t>Επεξήγηση του </a:t>
+              <a:rPr lang="en-US" sz="1100" dirty="0">
+                <a:solidFill>
+                  <a:schemeClr val="dk1"/>
+                </a:solidFill>
+                <a:latin typeface="Open Sans"/>
+                <a:ea typeface="Open Sans"/>
+                <a:cs typeface="Open Sans"/>
+                <a:sym typeface="Open Sans"/>
+              </a:rPr>
+              <a:t>Is it fair between other Stakeholders?</a:t>
             </a:r>
             <a:r>
-              <a:rPr lang="en-US" dirty="0"/>
-              <a:t>LP</a:t>
+              <a:rPr lang="el-GR" sz="1100" dirty="0">
+                <a:solidFill>
+                  <a:schemeClr val="dk1"/>
+                </a:solidFill>
+                <a:latin typeface="Open Sans"/>
+                <a:ea typeface="Open Sans"/>
+                <a:cs typeface="Open Sans"/>
+                <a:sym typeface="Open Sans"/>
+              </a:rPr>
+              <a:t> Θα εξετάσουμε τι συμβαίνει μεταξύ χωρών</a:t>
+            </a:r>
+            <a:endParaRPr lang="en-US" sz="1100" dirty="0">
+              <a:solidFill>
+                <a:schemeClr val="dk1"/>
+              </a:solidFill>
+              <a:latin typeface="Open Sans"/>
+              <a:ea typeface="Open Sans"/>
+              <a:cs typeface="Open Sans"/>
+              <a:sym typeface="Open Sans"/>
+            </a:endParaRPr>
+          </a:p>
+          <a:p>
+            <a:pPr marL="0" lvl="0" indent="0" algn="l" rtl="0">
+              <a:spcBef>
+                <a:spcPts val="0"/>
+              </a:spcBef>
+              <a:spcAft>
+                <a:spcPts val="0"/>
+              </a:spcAft>
+              <a:buNone/>
+            </a:pPr>
+            <a:r>
+              <a:rPr lang="en-US" sz="1100" dirty="0">
+                <a:solidFill>
+                  <a:schemeClr val="dk1"/>
+                </a:solidFill>
+                <a:latin typeface="Open Sans"/>
+                <a:ea typeface="Open Sans"/>
+                <a:cs typeface="Open Sans"/>
+                <a:sym typeface="Open Sans"/>
+              </a:rPr>
+              <a:t>How can this be measured? Equals, get Equal. Do they?</a:t>
             </a:r>
           </a:p>
           <a:p>
@@ -1852,10 +2349,26 @@
               <a:buNone/>
             </a:pPr>
             <a:r>
-              <a:rPr lang="el-GR" dirty="0"/>
-              <a:t>Λέμε πως αυτό είναι η πρόταση που θα χρησιμοποιήσουμε στο μέλλον για να συνεχίσουμε την έρευνα σε αυτό. </a:t>
+              <a:rPr lang="el-GR" sz="1100" dirty="0">
+                <a:solidFill>
+                  <a:schemeClr val="dk1"/>
+                </a:solidFill>
+                <a:latin typeface="Open Sans"/>
+                <a:ea typeface="Open Sans"/>
+                <a:cs typeface="Open Sans"/>
+                <a:sym typeface="Open Sans"/>
+              </a:rPr>
+              <a:t>Βλέπουμε πως αποτυγχάνει κάπως, επομένως …</a:t>
             </a:r>
-            <a:endParaRPr lang="en-US" dirty="0"/>
+            <a:endParaRPr lang="en-US" sz="1100" dirty="0">
+              <a:solidFill>
+                <a:schemeClr val="dk1"/>
+              </a:solidFill>
+              <a:latin typeface="Open Sans"/>
+              <a:ea typeface="Open Sans"/>
+              <a:cs typeface="Open Sans"/>
+              <a:sym typeface="Open Sans"/>
+            </a:endParaRPr>
           </a:p>
           <a:p>
             <a:pPr marL="0" lvl="0" indent="0" algn="l" rtl="0">
@@ -1867,37 +2380,14 @@
               </a:spcAft>
               <a:buNone/>
             </a:pPr>
-            <a:endParaRPr lang="en-US" dirty="0"/>
-          </a:p>
-          <a:p>
-            <a:pPr marL="0" lvl="0" indent="0" algn="l" rtl="0">
-              <a:spcBef>
-                <a:spcPts val="0"/>
-              </a:spcBef>
-              <a:spcAft>
-                <a:spcPts val="0"/>
-              </a:spcAft>
-              <a:buNone/>
-            </a:pPr>
-            <a:r>
-              <a:rPr lang="el-GR" dirty="0"/>
-              <a:t>Ίσως εδώ να πρέπει να δείξουμε και κάποια </a:t>
-            </a:r>
-            <a:r>
-              <a:rPr lang="en-US" dirty="0"/>
-              <a:t>allocations </a:t>
-            </a:r>
-            <a:r>
-              <a:rPr lang="el-GR" dirty="0"/>
-              <a:t>που προκύπτουν διαφορετικά με αυτό. </a:t>
-            </a:r>
+            <a:endParaRPr dirty="0"/>
           </a:p>
         </p:txBody>
       </p:sp>
     </p:spTree>
     <p:extLst>
       <p:ext uri="{BB962C8B-B14F-4D97-AF65-F5344CB8AC3E}">
-        <p14:creationId xmlns:p14="http://schemas.microsoft.com/office/powerpoint/2010/main" val="2839172823"/>
+        <p14:creationId xmlns:p14="http://schemas.microsoft.com/office/powerpoint/2010/main" val="880470144"/>
       </p:ext>
     </p:extLst>
   </p:cSld>
@@ -1912,7 +2402,7 @@
   <p:cSld>
     <p:spTree>
       <p:nvGrpSpPr>
-        <p:cNvPr id="1" name="Shape 65"/>
+        <p:cNvPr id="1" name="Shape 58"/>
         <p:cNvGrpSpPr/>
         <p:nvPr/>
       </p:nvGrpSpPr>
@@ -1926,7 +2416,7 @@
       </p:grpSpPr>
       <p:sp>
         <p:nvSpPr>
-          <p:cNvPr id="66" name="Google Shape;66;g194c55d3b57_0_5:notes"/>
+          <p:cNvPr id="59" name="Google Shape;59;g194c55d3b57_0_0:notes"/>
           <p:cNvSpPr>
             <a:spLocks noGrp="1" noRot="1" noChangeAspect="1"/>
           </p:cNvSpPr>
@@ -1967,7 +2457,7 @@
       </p:sp>
       <p:sp>
         <p:nvSpPr>
-          <p:cNvPr id="67" name="Google Shape;67;g194c55d3b57_0_5:notes"/>
+          <p:cNvPr id="60" name="Google Shape;60;g194c55d3b57_0_0:notes"/>
           <p:cNvSpPr txBox="1">
             <a:spLocks noGrp="1"/>
           </p:cNvSpPr>
@@ -1999,14 +2489,142 @@
               </a:spcAft>
               <a:buNone/>
             </a:pPr>
-            <a:endParaRPr/>
+            <a:r>
+              <a:rPr lang="el-GR" sz="1100" dirty="0">
+                <a:solidFill>
+                  <a:schemeClr val="dk1"/>
+                </a:solidFill>
+                <a:latin typeface="Open Sans"/>
+                <a:ea typeface="Open Sans"/>
+                <a:cs typeface="Open Sans"/>
+                <a:sym typeface="Open Sans"/>
+              </a:rPr>
+              <a:t>Παίρνοντας αρκετά δεδομένα για τις χώρες, τις χωρίσαμε σε 3 συστάδες. </a:t>
+            </a:r>
+          </a:p>
+          <a:p>
+            <a:pPr marL="0" lvl="0" indent="0" algn="l" rtl="0">
+              <a:spcBef>
+                <a:spcPts val="0"/>
+              </a:spcBef>
+              <a:spcAft>
+                <a:spcPts val="0"/>
+              </a:spcAft>
+              <a:buNone/>
+            </a:pPr>
+            <a:r>
+              <a:rPr lang="el-GR" sz="1100" dirty="0">
+                <a:solidFill>
+                  <a:schemeClr val="dk1"/>
+                </a:solidFill>
+                <a:latin typeface="Open Sans"/>
+                <a:ea typeface="Open Sans"/>
+                <a:cs typeface="Open Sans"/>
+                <a:sym typeface="Open Sans"/>
+              </a:rPr>
+              <a:t>Η συστάδες εσωτερικά δείχνουν να εξηγούν καλύτερα το </a:t>
+            </a:r>
+            <a:r>
+              <a:rPr lang="en-US" sz="1100" dirty="0">
+                <a:solidFill>
+                  <a:schemeClr val="dk1"/>
+                </a:solidFill>
+                <a:latin typeface="Open Sans"/>
+                <a:ea typeface="Open Sans"/>
+                <a:cs typeface="Open Sans"/>
+                <a:sym typeface="Open Sans"/>
+              </a:rPr>
+              <a:t>allocation, </a:t>
+            </a:r>
+            <a:r>
+              <a:rPr lang="el-GR" sz="1100" dirty="0">
+                <a:solidFill>
+                  <a:schemeClr val="dk1"/>
+                </a:solidFill>
+                <a:latin typeface="Open Sans"/>
+                <a:ea typeface="Open Sans"/>
+                <a:cs typeface="Open Sans"/>
+                <a:sym typeface="Open Sans"/>
+              </a:rPr>
+              <a:t>όχι όμως αναγκαστικά με βάση το ίδιο δεδομένο. </a:t>
+            </a:r>
+          </a:p>
+          <a:p>
+            <a:pPr marL="0" lvl="0" indent="0" algn="l" rtl="0">
+              <a:spcBef>
+                <a:spcPts val="0"/>
+              </a:spcBef>
+              <a:spcAft>
+                <a:spcPts val="0"/>
+              </a:spcAft>
+              <a:buNone/>
+            </a:pPr>
+            <a:r>
+              <a:rPr lang="el-GR" sz="1100" dirty="0">
+                <a:solidFill>
+                  <a:schemeClr val="dk1"/>
+                </a:solidFill>
+                <a:latin typeface="Open Sans"/>
+                <a:ea typeface="Open Sans"/>
+                <a:cs typeface="Open Sans"/>
+                <a:sym typeface="Open Sans"/>
+              </a:rPr>
+              <a:t>Το οποίο μας δείχνει ενδιαφέρουσες πληροφορίες, τις οποίες μπορούμε να μελετήσουμε αναλυτικά. </a:t>
+            </a:r>
+          </a:p>
+          <a:p>
+            <a:pPr marL="0" lvl="0" indent="0" algn="l" rtl="0">
+              <a:spcBef>
+                <a:spcPts val="0"/>
+              </a:spcBef>
+              <a:spcAft>
+                <a:spcPts val="0"/>
+              </a:spcAft>
+              <a:buNone/>
+            </a:pPr>
+            <a:r>
+              <a:rPr lang="el-GR" sz="1100" dirty="0">
+                <a:solidFill>
+                  <a:schemeClr val="dk1"/>
+                </a:solidFill>
+                <a:latin typeface="Open Sans"/>
+                <a:ea typeface="Open Sans"/>
+                <a:cs typeface="Open Sans"/>
+                <a:sym typeface="Open Sans"/>
+              </a:rPr>
+              <a:t>Θα μπορούσαμε να φτιάξουμε κάποιο μοντέλο το οποίο θα μπορούσε να μας βοηθήσει να καταλάβουμε γιατί είναι το </a:t>
+            </a:r>
+            <a:r>
+              <a:rPr lang="en-US" sz="1100" dirty="0">
+                <a:solidFill>
+                  <a:schemeClr val="dk1"/>
+                </a:solidFill>
+                <a:latin typeface="Open Sans"/>
+                <a:ea typeface="Open Sans"/>
+                <a:cs typeface="Open Sans"/>
+                <a:sym typeface="Open Sans"/>
+              </a:rPr>
+              <a:t>allocation </a:t>
+            </a:r>
+            <a:r>
+              <a:rPr lang="el-GR" sz="1100" dirty="0">
+                <a:solidFill>
+                  <a:schemeClr val="dk1"/>
+                </a:solidFill>
+                <a:latin typeface="Open Sans"/>
+                <a:ea typeface="Open Sans"/>
+                <a:cs typeface="Open Sans"/>
+                <a:sym typeface="Open Sans"/>
+              </a:rPr>
+              <a:t>όπως είναι;</a:t>
+            </a:r>
           </a:p>
         </p:txBody>
       </p:sp>
     </p:spTree>
     <p:extLst>
       <p:ext uri="{BB962C8B-B14F-4D97-AF65-F5344CB8AC3E}">
-        <p14:creationId xmlns:p14="http://schemas.microsoft.com/office/powerpoint/2010/main" val="1866330370"/>
+        <p14:creationId xmlns:p14="http://schemas.microsoft.com/office/powerpoint/2010/main" val="222023541"/>
       </p:ext>
     </p:extLst>
   </p:cSld>
@@ -2108,6 +2726,196 @@
               </a:spcAft>
               <a:buNone/>
             </a:pPr>
+            <a:r>
+              <a:rPr lang="el-GR" dirty="0"/>
+              <a:t>Αυτή είναι η πρότασή μας για ένα απλό αλλά ευέλικτο πρόβλημα βελτιστοποίησης, το οποίο μπορεί να </a:t>
+            </a:r>
+            <a:r>
+              <a:rPr lang="el-GR" dirty="0" err="1"/>
+              <a:t>παραμετροποιηθεί</a:t>
+            </a:r>
+            <a:r>
+              <a:rPr lang="el-GR" dirty="0"/>
+              <a:t> σε πολύ μεγάλο βαθμό και να μας δείξει διαφορετικές αναθέσεις ρίπων. </a:t>
+            </a:r>
+          </a:p>
+          <a:p>
+            <a:pPr marL="0" lvl="0" indent="0" algn="l" rtl="0">
+              <a:spcBef>
+                <a:spcPts val="0"/>
+              </a:spcBef>
+              <a:spcAft>
+                <a:spcPts val="0"/>
+              </a:spcAft>
+              <a:buNone/>
+            </a:pPr>
+            <a:r>
+              <a:rPr lang="el-GR" dirty="0"/>
+              <a:t>Επεξήγηση του </a:t>
+            </a:r>
+            <a:r>
+              <a:rPr lang="en-US" dirty="0"/>
+              <a:t>LP</a:t>
+            </a:r>
+          </a:p>
+          <a:p>
+            <a:pPr marL="0" lvl="0" indent="0" algn="l" rtl="0">
+              <a:spcBef>
+                <a:spcPts val="0"/>
+              </a:spcBef>
+              <a:spcAft>
+                <a:spcPts val="0"/>
+              </a:spcAft>
+              <a:buNone/>
+            </a:pPr>
+            <a:r>
+              <a:rPr lang="el-GR" dirty="0"/>
+              <a:t>Λέμε πως αυτό είναι η πρόταση που θα χρησιμοποιήσουμε στο μέλλον για να συνεχίσουμε την έρευνα σε αυτό. </a:t>
+            </a:r>
+            <a:endParaRPr lang="en-US" dirty="0"/>
+          </a:p>
+          <a:p>
+            <a:pPr marL="0" lvl="0" indent="0" algn="l" rtl="0">
+              <a:spcBef>
+                <a:spcPts val="0"/>
+              </a:spcBef>
+              <a:spcAft>
+                <a:spcPts val="0"/>
+              </a:spcAft>
+              <a:buNone/>
+            </a:pPr>
+            <a:endParaRPr lang="en-US" dirty="0"/>
+          </a:p>
+          <a:p>
+            <a:pPr marL="0" lvl="0" indent="0" algn="l" rtl="0">
+              <a:spcBef>
+                <a:spcPts val="0"/>
+              </a:spcBef>
+              <a:spcAft>
+                <a:spcPts val="0"/>
+              </a:spcAft>
+              <a:buNone/>
+            </a:pPr>
+            <a:r>
+              <a:rPr lang="el-GR" dirty="0"/>
+              <a:t>Ίσως εδώ να πρέπει να δείξουμε και κάποια </a:t>
+            </a:r>
+            <a:r>
+              <a:rPr lang="en-US" dirty="0"/>
+              <a:t>allocations </a:t>
+            </a:r>
+            <a:r>
+              <a:rPr lang="el-GR" dirty="0"/>
+              <a:t>που προκύπτουν διαφορετικά με αυτό. </a:t>
+            </a:r>
+          </a:p>
+        </p:txBody>
+      </p:sp>
+    </p:spTree>
+    <p:extLst>
+      <p:ext uri="{BB962C8B-B14F-4D97-AF65-F5344CB8AC3E}">
+        <p14:creationId xmlns:p14="http://schemas.microsoft.com/office/powerpoint/2010/main" val="2839172823"/>
+      </p:ext>
+    </p:extLst>
+  </p:cSld>
+  <p:clrMapOvr>
+    <a:masterClrMapping/>
+  </p:clrMapOvr>
+</p:notes>
+</file>
+
+<file path=ppt/notesSlides/notesSlide9.xml><?xml version="1.0" encoding="utf-8"?>
+<p:notes xmlns:a="http://schemas.openxmlformats.org/drawingml/2006/main" xmlns:r="http://schemas.openxmlformats.org/officeDocument/2006/relationships" xmlns:p="http://schemas.openxmlformats.org/presentationml/2006/main" showMasterSp="0" showMasterPhAnim="0">
+  <p:cSld>
+    <p:spTree>
+      <p:nvGrpSpPr>
+        <p:cNvPr id="1" name="Shape 65"/>
+        <p:cNvGrpSpPr/>
+        <p:nvPr/>
+      </p:nvGrpSpPr>
+      <p:grpSpPr>
+        <a:xfrm>
+          <a:off x="0" y="0"/>
+          <a:ext cx="0" cy="0"/>
+          <a:chOff x="0" y="0"/>
+          <a:chExt cx="0" cy="0"/>
+        </a:xfrm>
+      </p:grpSpPr>
+      <p:sp>
+        <p:nvSpPr>
+          <p:cNvPr id="66" name="Google Shape;66;g194c55d3b57_0_5:notes"/>
+          <p:cNvSpPr>
+            <a:spLocks noGrp="1" noRot="1" noChangeAspect="1"/>
+          </p:cNvSpPr>
+          <p:nvPr>
+            <p:ph type="sldImg" idx="2"/>
+          </p:nvPr>
+        </p:nvSpPr>
+        <p:spPr>
+          <a:xfrm>
+            <a:off x="381000" y="685800"/>
+            <a:ext cx="6096000" cy="3429000"/>
+          </a:xfrm>
+          <a:custGeom>
+            <a:avLst/>
+            <a:gdLst/>
+            <a:ahLst/>
+            <a:cxnLst/>
+            <a:rect l="l" t="t" r="r" b="b"/>
+            <a:pathLst>
+              <a:path w="120000" h="120000" extrusionOk="0">
+                <a:moveTo>
+                  <a:pt x="0" y="0"/>
+                </a:moveTo>
+                <a:lnTo>
+                  <a:pt x="120000" y="0"/>
+                </a:lnTo>
+                <a:lnTo>
+                  <a:pt x="120000" y="120000"/>
+                </a:lnTo>
+                <a:lnTo>
+                  <a:pt x="0" y="120000"/>
+                </a:lnTo>
+                <a:close/>
+              </a:path>
+            </a:pathLst>
+          </a:custGeom>
+        </p:spPr>
+      </p:sp>
+      <p:sp>
+        <p:nvSpPr>
+          <p:cNvPr id="67" name="Google Shape;67;g194c55d3b57_0_5:notes"/>
+          <p:cNvSpPr txBox="1">
+            <a:spLocks noGrp="1"/>
+          </p:cNvSpPr>
+          <p:nvPr>
+            <p:ph type="body" idx="1"/>
+          </p:nvPr>
+        </p:nvSpPr>
+        <p:spPr>
+          <a:xfrm>
+            <a:off x="685800" y="4343400"/>
+            <a:ext cx="5486400" cy="4114800"/>
+          </a:xfrm>
+          <a:prstGeom prst="rect">
+            <a:avLst/>
+          </a:prstGeom>
+        </p:spPr>
+        <p:txBody>
+          <a:bodyPr spcFirstLastPara="1" wrap="square" lIns="91425" tIns="91425" rIns="91425" bIns="91425" anchor="t" anchorCtr="0">
+            <a:noAutofit/>
+          </a:bodyPr>
+          <a:lstStyle/>
+          <a:p>
+            <a:pPr marL="0" lvl="0" indent="0" algn="l" rtl="0">
+              <a:spcBef>
+                <a:spcPts val="0"/>
+              </a:spcBef>
+              <a:spcAft>
+                <a:spcPts val="0"/>
+              </a:spcAft>
+              <a:buNone/>
+            </a:pPr>
             <a:endParaRPr/>
           </a:p>
         </p:txBody>
@@ -2115,7 +2923,7 @@
     </p:spTree>
     <p:extLst>
       <p:ext uri="{BB962C8B-B14F-4D97-AF65-F5344CB8AC3E}">
-        <p14:creationId xmlns:p14="http://schemas.microsoft.com/office/powerpoint/2010/main" val="3099398269"/>
+        <p14:creationId xmlns:p14="http://schemas.microsoft.com/office/powerpoint/2010/main" val="1866330370"/>
       </p:ext>
     </p:extLst>
   </p:cSld>
@@ -7243,7 +8051,7 @@
 </p:sld>
 </file>
 
-<file path=ppt/slides/slide2.xml><?xml version="1.0" encoding="utf-8"?>
+<file path=ppt/slides/slide10.xml><?xml version="1.0" encoding="utf-8"?>
 <p:sld xmlns:a="http://schemas.openxmlformats.org/drawingml/2006/main" xmlns:r="http://schemas.openxmlformats.org/officeDocument/2006/relationships" xmlns:p="http://schemas.openxmlformats.org/presentationml/2006/main">
   <p:cSld>
     <p:spTree>
@@ -7301,7 +8109,34 @@
                 <a:cs typeface="Open Sans SemiBold"/>
                 <a:sym typeface="Open Sans SemiBold"/>
               </a:rPr>
-              <a:t>EU Emission Trading System (ETS)</a:t>
+              <a:t>Demo</a:t>
+            </a:r>
+            <a:r>
+              <a:rPr lang="el" sz="2800" dirty="0">
+                <a:latin typeface="Open Sans SemiBold"/>
+                <a:ea typeface="Open Sans SemiBold"/>
+                <a:cs typeface="Open Sans SemiBold"/>
+                <a:sym typeface="Open Sans SemiBold"/>
+              </a:rPr>
+              <a:t> - “Open Sans Semibold </a:t>
+            </a:r>
+            <a:r>
+              <a:rPr lang="en-US" sz="2800" dirty="0">
+                <a:latin typeface="Open Sans SemiBold"/>
+                <a:ea typeface="Open Sans SemiBold"/>
+                <a:cs typeface="Open Sans SemiBold"/>
+                <a:sym typeface="Open Sans SemiBold"/>
+              </a:rPr>
+              <a:t>28</a:t>
+            </a:r>
+            <a:r>
+              <a:rPr lang="el" sz="2800" dirty="0">
+                <a:latin typeface="Open Sans SemiBold"/>
+                <a:ea typeface="Open Sans SemiBold"/>
+                <a:cs typeface="Open Sans SemiBold"/>
+                <a:sym typeface="Open Sans SemiBold"/>
+              </a:rPr>
+              <a:t>”</a:t>
             </a:r>
             <a:endParaRPr sz="2800" dirty="0">
               <a:latin typeface="Open Sans SemiBold"/>
@@ -7321,7 +8156,7 @@
         <p:spPr>
           <a:xfrm>
             <a:off x="178200" y="1752588"/>
-            <a:ext cx="7377000" cy="1477297"/>
+            <a:ext cx="7377000" cy="369302"/>
           </a:xfrm>
           <a:prstGeom prst="rect">
             <a:avLst/>
@@ -7337,48 +8172,26 @@
           </a:bodyPr>
           <a:lstStyle/>
           <a:p>
-            <a:pPr marL="171450" lvl="0" indent="-171450" algn="l" rtl="0">
-              <a:spcBef>
-                <a:spcPts val="0"/>
-              </a:spcBef>
-              <a:spcAft>
-                <a:spcPts val="0"/>
-              </a:spcAft>
-              <a:buFont typeface="Arial" panose="020B0604020202020204" pitchFamily="34" charset="0"/>
-              <a:buChar char="•"/>
+            <a:pPr marL="0" lvl="0" indent="0" algn="l" rtl="0">
+              <a:spcBef>
+                <a:spcPts val="0"/>
+              </a:spcBef>
+              <a:spcAft>
+                <a:spcPts val="0"/>
+              </a:spcAft>
+              <a:buNone/>
             </a:pPr>
             <a:r>
-              <a:rPr lang="en-US" sz="1200" dirty="0">
+              <a:rPr lang="el" sz="1200" dirty="0">
                 <a:latin typeface="Open Sans"/>
                 <a:ea typeface="Open Sans"/>
                 <a:cs typeface="Open Sans"/>
                 <a:sym typeface="Open Sans"/>
               </a:rPr>
-              <a:t>The Largest Emission Trading System</a:t>
+              <a:t>Body Text - “Open Sans Regular 1</a:t>
             </a:r>
-          </a:p>
-          <a:p>
-            <a:pPr marL="171450" lvl="0" indent="-171450" algn="l" rtl="0">
-              <a:spcBef>
-                <a:spcPts val="0"/>
-              </a:spcBef>
-              <a:spcAft>
-                <a:spcPts val="0"/>
-              </a:spcAft>
-              <a:buFont typeface="Arial" panose="020B0604020202020204" pitchFamily="34" charset="0"/>
-              <a:buChar char="•"/>
-            </a:pPr>
             <a:r>
               <a:rPr lang="en-US" sz="1200" dirty="0">
-                <a:latin typeface="Open Sans"/>
-                <a:ea typeface="Open Sans"/>
-                <a:cs typeface="Open Sans"/>
-                <a:sym typeface="Open Sans"/>
-              </a:rPr>
-              <a:t>CO</a:t>
-            </a:r>
-            <a:r>
-              <a:rPr lang="en-US" sz="1200" baseline="-25000" dirty="0">
                 <a:latin typeface="Open Sans"/>
                 <a:ea typeface="Open Sans"/>
                 <a:cs typeface="Open Sans"/>
@@ -7387,139 +8200,14 @@
               <a:t>2</a:t>
             </a:r>
             <a:r>
-              <a:rPr lang="en-US" sz="1200" dirty="0">
+              <a:rPr lang="el" sz="1200" dirty="0">
                 <a:latin typeface="Open Sans"/>
                 <a:ea typeface="Open Sans"/>
                 <a:cs typeface="Open Sans"/>
                 <a:sym typeface="Open Sans"/>
               </a:rPr>
-              <a:t>, N</a:t>
+              <a:t>”</a:t>
             </a:r>
-            <a:r>
-              <a:rPr lang="en-US" sz="1200" baseline="-25000" dirty="0">
-                <a:latin typeface="Open Sans"/>
-                <a:ea typeface="Open Sans"/>
-                <a:cs typeface="Open Sans"/>
-                <a:sym typeface="Open Sans"/>
-              </a:rPr>
-              <a:t>2</a:t>
-            </a:r>
-            <a:r>
-              <a:rPr lang="en-US" sz="1200" dirty="0">
-                <a:latin typeface="Open Sans"/>
-                <a:ea typeface="Open Sans"/>
-                <a:cs typeface="Open Sans"/>
-                <a:sym typeface="Open Sans"/>
-              </a:rPr>
-              <a:t>O and PFCs</a:t>
-            </a:r>
-          </a:p>
-          <a:p>
-            <a:pPr marL="171450" lvl="0" indent="-171450" algn="l" rtl="0">
-              <a:spcBef>
-                <a:spcPts val="0"/>
-              </a:spcBef>
-              <a:spcAft>
-                <a:spcPts val="0"/>
-              </a:spcAft>
-              <a:buFont typeface="Arial" panose="020B0604020202020204" pitchFamily="34" charset="0"/>
-              <a:buChar char="•"/>
-            </a:pPr>
-            <a:r>
-              <a:rPr lang="en-US" sz="1200" dirty="0">
-                <a:solidFill>
-                  <a:schemeClr val="dk1"/>
-                </a:solidFill>
-                <a:latin typeface="Open Sans"/>
-                <a:ea typeface="Open Sans"/>
-                <a:cs typeface="Open Sans"/>
-                <a:sym typeface="Open Sans"/>
-              </a:rPr>
-              <a:t>Cap on GHG emissions</a:t>
-            </a:r>
-          </a:p>
-          <a:p>
-            <a:pPr marL="171450" lvl="0" indent="-171450" algn="l" rtl="0">
-              <a:spcBef>
-                <a:spcPts val="0"/>
-              </a:spcBef>
-              <a:spcAft>
-                <a:spcPts val="0"/>
-              </a:spcAft>
-              <a:buFont typeface="Arial" panose="020B0604020202020204" pitchFamily="34" charset="0"/>
-              <a:buChar char="•"/>
-            </a:pPr>
-            <a:r>
-              <a:rPr lang="en-US" sz="1200" dirty="0">
-                <a:solidFill>
-                  <a:schemeClr val="dk1"/>
-                </a:solidFill>
-                <a:latin typeface="Open Sans"/>
-                <a:ea typeface="Open Sans"/>
-                <a:cs typeface="Open Sans"/>
-                <a:sym typeface="Open Sans"/>
-              </a:rPr>
-              <a:t>Linear reduction on emissions of 1.74 to 2.2% every year.</a:t>
-            </a:r>
-          </a:p>
-          <a:p>
-            <a:pPr marL="171450" lvl="0" indent="-171450" algn="l" rtl="0">
-              <a:spcBef>
-                <a:spcPts val="0"/>
-              </a:spcBef>
-              <a:spcAft>
-                <a:spcPts val="0"/>
-              </a:spcAft>
-              <a:buFont typeface="Arial" panose="020B0604020202020204" pitchFamily="34" charset="0"/>
-              <a:buChar char="•"/>
-            </a:pPr>
-            <a:r>
-              <a:rPr lang="en-US" sz="1200" dirty="0">
-                <a:solidFill>
-                  <a:schemeClr val="dk1"/>
-                </a:solidFill>
-                <a:latin typeface="Open Sans"/>
-                <a:ea typeface="Open Sans"/>
-                <a:cs typeface="Open Sans"/>
-                <a:sym typeface="Open Sans"/>
-              </a:rPr>
-              <a:t>Phases I, II, III, IV</a:t>
-            </a:r>
-          </a:p>
-          <a:p>
-            <a:pPr marL="171450" lvl="0" indent="-171450" algn="l" rtl="0">
-              <a:spcBef>
-                <a:spcPts val="0"/>
-              </a:spcBef>
-              <a:spcAft>
-                <a:spcPts val="0"/>
-              </a:spcAft>
-              <a:buFont typeface="Arial" panose="020B0604020202020204" pitchFamily="34" charset="0"/>
-              <a:buChar char="•"/>
-            </a:pPr>
-            <a:r>
-              <a:rPr lang="en-US" sz="1200" dirty="0">
-                <a:solidFill>
-                  <a:schemeClr val="dk1"/>
-                </a:solidFill>
-                <a:latin typeface="Open Sans"/>
-                <a:ea typeface="Open Sans"/>
-                <a:cs typeface="Open Sans"/>
-                <a:sym typeface="Open Sans"/>
-              </a:rPr>
-              <a:t>Possible problems?</a:t>
-            </a:r>
-          </a:p>
-          <a:p>
-            <a:pPr marL="0" lvl="0" indent="0" algn="l" rtl="0">
-              <a:spcBef>
-                <a:spcPts val="0"/>
-              </a:spcBef>
-              <a:spcAft>
-                <a:spcPts val="0"/>
-              </a:spcAft>
-              <a:buNone/>
-            </a:pPr>
             <a:endParaRPr sz="1200" dirty="0">
               <a:solidFill>
                 <a:schemeClr val="dk1"/>
@@ -7613,7 +8301,7 @@
           <p:cNvPr id="2" name="TextBox 1">
             <a:extLst>
               <a:ext uri="{FF2B5EF4-FFF2-40B4-BE49-F238E27FC236}">
-                <a16:creationId xmlns:a16="http://schemas.microsoft.com/office/drawing/2014/main" id="{2FE66640-9E4A-968A-3F9C-ECB7BF6BD9A9}"/>
+                <a16:creationId xmlns:a16="http://schemas.microsoft.com/office/drawing/2014/main" id="{04565C24-4E24-95EA-4F54-98261D05F586}"/>
               </a:ext>
             </a:extLst>
           </p:cNvPr>
@@ -7622,8 +8310,8 @@
         </p:nvSpPr>
         <p:spPr>
           <a:xfrm>
-            <a:off x="4762500" y="2377440"/>
-            <a:ext cx="3207929" cy="523220"/>
+            <a:off x="1726809" y="2417861"/>
+            <a:ext cx="979755" cy="307777"/>
           </a:xfrm>
           <a:prstGeom prst="rect">
             <a:avLst/>
@@ -7638,17 +8326,418 @@
           <a:p>
             <a:r>
               <a:rPr lang="el-GR" dirty="0"/>
-              <a:t>Και αυτό μάλλον πρέπει να αφαιρεθεί </a:t>
+              <a:t>Χρώματα:</a:t>
             </a:r>
+            <a:endParaRPr lang="en-US" dirty="0"/>
           </a:p>
+        </p:txBody>
+      </p:sp>
+      <p:sp>
+        <p:nvSpPr>
+          <p:cNvPr id="9" name="Ορθογώνιο 8">
+            <a:extLst>
+              <a:ext uri="{FF2B5EF4-FFF2-40B4-BE49-F238E27FC236}">
+                <a16:creationId xmlns:a16="http://schemas.microsoft.com/office/drawing/2014/main" id="{533903F1-7E5B-8426-A7DD-9281858B582C}"/>
+              </a:ext>
+            </a:extLst>
+          </p:cNvPr>
+          <p:cNvSpPr/>
+          <p:nvPr/>
+        </p:nvSpPr>
+        <p:spPr>
+          <a:xfrm>
+            <a:off x="2210744" y="2775481"/>
+            <a:ext cx="409058" cy="1609650"/>
+          </a:xfrm>
+          <a:prstGeom prst="rect">
+            <a:avLst/>
+          </a:prstGeom>
+        </p:spPr>
+        <p:style>
+          <a:lnRef idx="2">
+            <a:schemeClr val="accent1">
+              <a:shade val="15000"/>
+            </a:schemeClr>
+          </a:lnRef>
+          <a:fillRef idx="1">
+            <a:schemeClr val="accent1"/>
+          </a:fillRef>
+          <a:effectRef idx="0">
+            <a:schemeClr val="accent1"/>
+          </a:effectRef>
+          <a:fontRef idx="minor">
+            <a:schemeClr val="lt1"/>
+          </a:fontRef>
+        </p:style>
+        <p:txBody>
+          <a:bodyPr rtlCol="0" anchor="ctr"/>
+          <a:lstStyle/>
+          <a:p>
+            <a:pPr algn="ctr"/>
+            <a:endParaRPr lang="en-US"/>
+          </a:p>
+        </p:txBody>
+      </p:sp>
+      <p:sp>
+        <p:nvSpPr>
+          <p:cNvPr id="3" name="TextBox 2">
+            <a:extLst>
+              <a:ext uri="{FF2B5EF4-FFF2-40B4-BE49-F238E27FC236}">
+                <a16:creationId xmlns:a16="http://schemas.microsoft.com/office/drawing/2014/main" id="{97329775-328B-85F9-CA26-6E383E456985}"/>
+              </a:ext>
+            </a:extLst>
+          </p:cNvPr>
+          <p:cNvSpPr txBox="1"/>
+          <p:nvPr/>
+        </p:nvSpPr>
+        <p:spPr>
+          <a:xfrm>
+            <a:off x="1726808" y="2775481"/>
+            <a:ext cx="800219" cy="307777"/>
+          </a:xfrm>
+          <a:prstGeom prst="rect">
+            <a:avLst/>
+          </a:prstGeom>
+          <a:noFill/>
+        </p:spPr>
+        <p:txBody>
+          <a:bodyPr wrap="none" rtlCol="0">
+            <a:spAutoFit/>
+          </a:bodyPr>
+          <a:lstStyle/>
           <a:p>
             <a:r>
-              <a:rPr lang="el-GR" dirty="0"/>
-              <a:t>Και να μπει κάποιο σχέδιο πίσω.</a:t>
+              <a:rPr lang="en-US" b="1" dirty="0">
+                <a:solidFill>
+                  <a:srgbClr val="B7D549"/>
+                </a:solidFill>
+              </a:rPr>
+              <a:t>b7d549</a:t>
             </a:r>
           </a:p>
         </p:txBody>
       </p:sp>
+      <p:sp>
+        <p:nvSpPr>
+          <p:cNvPr id="4" name="TextBox 3">
+            <a:extLst>
+              <a:ext uri="{FF2B5EF4-FFF2-40B4-BE49-F238E27FC236}">
+                <a16:creationId xmlns:a16="http://schemas.microsoft.com/office/drawing/2014/main" id="{D6B1C368-EFC0-FC60-8958-83BB9B5929E9}"/>
+              </a:ext>
+            </a:extLst>
+          </p:cNvPr>
+          <p:cNvSpPr txBox="1"/>
+          <p:nvPr/>
+        </p:nvSpPr>
+        <p:spPr>
+          <a:xfrm>
+            <a:off x="1765885" y="3150620"/>
+            <a:ext cx="800219" cy="307777"/>
+          </a:xfrm>
+          <a:prstGeom prst="rect">
+            <a:avLst/>
+          </a:prstGeom>
+          <a:noFill/>
+        </p:spPr>
+        <p:txBody>
+          <a:bodyPr wrap="none" rtlCol="0">
+            <a:spAutoFit/>
+          </a:bodyPr>
+          <a:lstStyle/>
+          <a:p>
+            <a:r>
+              <a:rPr lang="en-US" b="1" dirty="0">
+                <a:solidFill>
+                  <a:srgbClr val="339989"/>
+                </a:solidFill>
+              </a:rPr>
+              <a:t>339989</a:t>
+            </a:r>
+          </a:p>
+        </p:txBody>
+      </p:sp>
+      <p:sp>
+        <p:nvSpPr>
+          <p:cNvPr id="7" name="TextBox 6">
+            <a:extLst>
+              <a:ext uri="{FF2B5EF4-FFF2-40B4-BE49-F238E27FC236}">
+                <a16:creationId xmlns:a16="http://schemas.microsoft.com/office/drawing/2014/main" id="{D7F05909-C730-E8B4-82EB-564195F3DB0C}"/>
+              </a:ext>
+            </a:extLst>
+          </p:cNvPr>
+          <p:cNvSpPr txBox="1"/>
+          <p:nvPr/>
+        </p:nvSpPr>
+        <p:spPr>
+          <a:xfrm>
+            <a:off x="1935803" y="3541935"/>
+            <a:ext cx="630301" cy="307777"/>
+          </a:xfrm>
+          <a:prstGeom prst="rect">
+            <a:avLst/>
+          </a:prstGeom>
+          <a:noFill/>
+        </p:spPr>
+        <p:txBody>
+          <a:bodyPr wrap="none" rtlCol="0">
+            <a:spAutoFit/>
+          </a:bodyPr>
+          <a:lstStyle/>
+          <a:p>
+            <a:r>
+              <a:rPr lang="en-US" b="1" dirty="0" err="1">
+                <a:solidFill>
+                  <a:srgbClr val="FFFAFB"/>
+                </a:solidFill>
+              </a:rPr>
+              <a:t>fffafb</a:t>
+            </a:r>
+            <a:endParaRPr lang="en-US" b="1" dirty="0">
+              <a:solidFill>
+                <a:srgbClr val="FFFAFB"/>
+              </a:solidFill>
+            </a:endParaRPr>
+          </a:p>
+        </p:txBody>
+      </p:sp>
+      <p:sp>
+        <p:nvSpPr>
+          <p:cNvPr id="8" name="TextBox 7">
+            <a:extLst>
+              <a:ext uri="{FF2B5EF4-FFF2-40B4-BE49-F238E27FC236}">
+                <a16:creationId xmlns:a16="http://schemas.microsoft.com/office/drawing/2014/main" id="{F159A38B-95A1-B90D-F299-D6F5C024CBD1}"/>
+              </a:ext>
+            </a:extLst>
+          </p:cNvPr>
+          <p:cNvSpPr txBox="1"/>
+          <p:nvPr/>
+        </p:nvSpPr>
+        <p:spPr>
+          <a:xfrm>
+            <a:off x="1750254" y="3885266"/>
+            <a:ext cx="780983" cy="307777"/>
+          </a:xfrm>
+          <a:prstGeom prst="rect">
+            <a:avLst/>
+          </a:prstGeom>
+          <a:noFill/>
+        </p:spPr>
+        <p:txBody>
+          <a:bodyPr wrap="none" rtlCol="0">
+            <a:spAutoFit/>
+          </a:bodyPr>
+          <a:lstStyle/>
+          <a:p>
+            <a:r>
+              <a:rPr lang="el-GR" b="1" dirty="0">
+                <a:solidFill>
+                  <a:srgbClr val="0C0C0C"/>
+                </a:solidFill>
+              </a:rPr>
+              <a:t>000000</a:t>
+            </a:r>
+            <a:endParaRPr lang="en-US" b="1" dirty="0">
+              <a:solidFill>
+                <a:srgbClr val="0C0C0C"/>
+              </a:solidFill>
+            </a:endParaRPr>
+          </a:p>
+        </p:txBody>
+      </p:sp>
+    </p:spTree>
+    <p:extLst>
+      <p:ext uri="{BB962C8B-B14F-4D97-AF65-F5344CB8AC3E}">
+        <p14:creationId xmlns:p14="http://schemas.microsoft.com/office/powerpoint/2010/main" val="1683670814"/>
+      </p:ext>
+    </p:extLst>
+  </p:cSld>
+  <p:clrMapOvr>
+    <a:masterClrMapping/>
+  </p:clrMapOvr>
+</p:sld>
+</file>
+
+<file path=ppt/slides/slide2.xml><?xml version="1.0" encoding="utf-8"?>
+<p:sld xmlns:a="http://schemas.openxmlformats.org/drawingml/2006/main" xmlns:r="http://schemas.openxmlformats.org/officeDocument/2006/relationships" xmlns:p="http://schemas.openxmlformats.org/presentationml/2006/main">
+  <p:cSld>
+    <p:spTree>
+      <p:nvGrpSpPr>
+        <p:cNvPr id="1" name="Shape 61"/>
+        <p:cNvGrpSpPr/>
+        <p:nvPr/>
+      </p:nvGrpSpPr>
+      <p:grpSpPr>
+        <a:xfrm>
+          <a:off x="0" y="0"/>
+          <a:ext cx="0" cy="0"/>
+          <a:chOff x="0" y="0"/>
+          <a:chExt cx="0" cy="0"/>
+        </a:xfrm>
+      </p:grpSpPr>
+      <p:sp>
+        <p:nvSpPr>
+          <p:cNvPr id="63" name="Google Shape;63;p14"/>
+          <p:cNvSpPr txBox="1"/>
+          <p:nvPr/>
+        </p:nvSpPr>
+        <p:spPr>
+          <a:xfrm>
+            <a:off x="178200" y="1172926"/>
+            <a:ext cx="8965800" cy="615523"/>
+          </a:xfrm>
+          <a:prstGeom prst="rect">
+            <a:avLst/>
+          </a:prstGeom>
+          <a:noFill/>
+          <a:ln>
+            <a:noFill/>
+          </a:ln>
+        </p:spPr>
+        <p:txBody>
+          <a:bodyPr spcFirstLastPara="1" wrap="square" lIns="91425" tIns="91425" rIns="91425" bIns="91425" anchor="t" anchorCtr="0">
+            <a:spAutoFit/>
+          </a:bodyPr>
+          <a:lstStyle/>
+          <a:p>
+            <a:pPr marL="0" lvl="0" indent="0" algn="l" rtl="0">
+              <a:spcBef>
+                <a:spcPts val="0"/>
+              </a:spcBef>
+              <a:spcAft>
+                <a:spcPts val="0"/>
+              </a:spcAft>
+              <a:buNone/>
+            </a:pPr>
+            <a:r>
+              <a:rPr lang="en-US" sz="2800" dirty="0">
+                <a:latin typeface="Open Sans SemiBold"/>
+                <a:ea typeface="Open Sans SemiBold"/>
+                <a:cs typeface="Open Sans SemiBold"/>
+                <a:sym typeface="Open Sans SemiBold"/>
+              </a:rPr>
+              <a:t>EU Emission Trading System (ETS)</a:t>
+            </a:r>
+            <a:endParaRPr sz="2800" dirty="0">
+              <a:latin typeface="Open Sans SemiBold"/>
+              <a:ea typeface="Open Sans SemiBold"/>
+              <a:cs typeface="Open Sans SemiBold"/>
+              <a:sym typeface="Open Sans SemiBold"/>
+            </a:endParaRPr>
+          </a:p>
+        </p:txBody>
+      </p:sp>
+      <p:sp>
+        <p:nvSpPr>
+          <p:cNvPr id="5" name="Rectangle 4"/>
+          <p:cNvSpPr/>
+          <p:nvPr/>
+        </p:nvSpPr>
+        <p:spPr>
+          <a:xfrm>
+            <a:off x="0" y="5143500"/>
+            <a:ext cx="9144000" cy="45719"/>
+          </a:xfrm>
+          <a:prstGeom prst="rect">
+            <a:avLst/>
+          </a:prstGeom>
+          <a:solidFill>
+            <a:srgbClr val="B8D847"/>
+          </a:solidFill>
+          <a:ln>
+            <a:noFill/>
+          </a:ln>
+        </p:spPr>
+        <p:style>
+          <a:lnRef idx="2">
+            <a:schemeClr val="accent1">
+              <a:shade val="50000"/>
+            </a:schemeClr>
+          </a:lnRef>
+          <a:fillRef idx="1">
+            <a:schemeClr val="accent1"/>
+          </a:fillRef>
+          <a:effectRef idx="0">
+            <a:schemeClr val="accent1"/>
+          </a:effectRef>
+          <a:fontRef idx="minor">
+            <a:schemeClr val="lt1"/>
+          </a:fontRef>
+        </p:style>
+        <p:txBody>
+          <a:bodyPr rtlCol="0" anchor="ctr"/>
+          <a:lstStyle/>
+          <a:p>
+            <a:pPr algn="ctr"/>
+            <a:endParaRPr lang="en-US"/>
+          </a:p>
+        </p:txBody>
+      </p:sp>
+      <p:pic>
+        <p:nvPicPr>
+          <p:cNvPr id="6" name="Picture 5"/>
+          <p:cNvPicPr>
+            <a:picLocks noChangeAspect="1"/>
+          </p:cNvPicPr>
+          <p:nvPr/>
+        </p:nvPicPr>
+        <p:blipFill>
+          <a:blip r:embed="rId3" cstate="print">
+            <a:extLst>
+              <a:ext uri="{28A0092B-C50C-407E-A947-70E740481C1C}">
+                <a14:useLocalDpi xmlns:a14="http://schemas.microsoft.com/office/drawing/2010/main"/>
+              </a:ext>
+            </a:extLst>
+          </a:blip>
+          <a:stretch>
+            <a:fillRect/>
+          </a:stretch>
+        </p:blipFill>
+        <p:spPr>
+          <a:xfrm>
+            <a:off x="0" y="0"/>
+            <a:ext cx="9144000" cy="980237"/>
+          </a:xfrm>
+          <a:prstGeom prst="rect">
+            <a:avLst/>
+          </a:prstGeom>
+        </p:spPr>
+      </p:pic>
+      <p:pic>
+        <p:nvPicPr>
+          <p:cNvPr id="4" name="Γραφικό 3">
+            <a:extLst>
+              <a:ext uri="{FF2B5EF4-FFF2-40B4-BE49-F238E27FC236}">
+                <a16:creationId xmlns:a16="http://schemas.microsoft.com/office/drawing/2014/main" id="{00694B1C-C605-69C4-D24A-42AAFD95F0FD}"/>
+              </a:ext>
+            </a:extLst>
+          </p:cNvPr>
+          <p:cNvPicPr>
+            <a:picLocks noChangeAspect="1"/>
+          </p:cNvPicPr>
+          <p:nvPr/>
+        </p:nvPicPr>
+        <p:blipFill>
+          <a:blip r:embed="rId4">
+            <a:extLst>
+              <a:ext uri="{96DAC541-7B7A-43D3-8B79-37D633B846F1}">
+                <asvg:svgBlip xmlns:asvg="http://schemas.microsoft.com/office/drawing/2016/SVG/main" r:embed="rId5"/>
+              </a:ext>
+            </a:extLst>
+          </a:blip>
+          <a:stretch>
+            <a:fillRect/>
+          </a:stretch>
+        </p:blipFill>
+        <p:spPr>
+          <a:xfrm>
+            <a:off x="1938337" y="1754852"/>
+            <a:ext cx="5267325" cy="3200400"/>
+          </a:xfrm>
+          <a:prstGeom prst="rect">
+            <a:avLst/>
+          </a:prstGeom>
+        </p:spPr>
+      </p:pic>
     </p:spTree>
   </p:cSld>
   <p:clrMapOvr>
@@ -7658,6 +8747,194 @@
 </file>
 
 <file path=ppt/slides/slide3.xml><?xml version="1.0" encoding="utf-8"?>
+<p:sld xmlns:a="http://schemas.openxmlformats.org/drawingml/2006/main" xmlns:r="http://schemas.openxmlformats.org/officeDocument/2006/relationships" xmlns:p="http://schemas.openxmlformats.org/presentationml/2006/main">
+  <p:cSld>
+    <p:spTree>
+      <p:nvGrpSpPr>
+        <p:cNvPr id="1" name="Shape 61"/>
+        <p:cNvGrpSpPr/>
+        <p:nvPr/>
+      </p:nvGrpSpPr>
+      <p:grpSpPr>
+        <a:xfrm>
+          <a:off x="0" y="0"/>
+          <a:ext cx="0" cy="0"/>
+          <a:chOff x="0" y="0"/>
+          <a:chExt cx="0" cy="0"/>
+        </a:xfrm>
+      </p:grpSpPr>
+      <p:sp>
+        <p:nvSpPr>
+          <p:cNvPr id="63" name="Google Shape;63;p14"/>
+          <p:cNvSpPr txBox="1"/>
+          <p:nvPr/>
+        </p:nvSpPr>
+        <p:spPr>
+          <a:xfrm>
+            <a:off x="178200" y="1172926"/>
+            <a:ext cx="8965800" cy="615523"/>
+          </a:xfrm>
+          <a:prstGeom prst="rect">
+            <a:avLst/>
+          </a:prstGeom>
+          <a:noFill/>
+          <a:ln>
+            <a:noFill/>
+          </a:ln>
+        </p:spPr>
+        <p:txBody>
+          <a:bodyPr spcFirstLastPara="1" wrap="square" lIns="91425" tIns="91425" rIns="91425" bIns="91425" anchor="t" anchorCtr="0">
+            <a:spAutoFit/>
+          </a:bodyPr>
+          <a:lstStyle/>
+          <a:p>
+            <a:pPr marL="0" lvl="0" indent="0" algn="l" rtl="0">
+              <a:spcBef>
+                <a:spcPts val="0"/>
+              </a:spcBef>
+              <a:spcAft>
+                <a:spcPts val="0"/>
+              </a:spcAft>
+              <a:buNone/>
+            </a:pPr>
+            <a:r>
+              <a:rPr lang="en-US" sz="2800" dirty="0">
+                <a:latin typeface="Open Sans SemiBold"/>
+                <a:ea typeface="Open Sans SemiBold"/>
+                <a:cs typeface="Open Sans SemiBold"/>
+                <a:sym typeface="Open Sans SemiBold"/>
+              </a:rPr>
+              <a:t>EU Emission Trading System (ETS)</a:t>
+            </a:r>
+            <a:endParaRPr sz="2800" dirty="0">
+              <a:latin typeface="Open Sans SemiBold"/>
+              <a:ea typeface="Open Sans SemiBold"/>
+              <a:cs typeface="Open Sans SemiBold"/>
+              <a:sym typeface="Open Sans SemiBold"/>
+            </a:endParaRPr>
+          </a:p>
+        </p:txBody>
+      </p:sp>
+      <p:sp>
+        <p:nvSpPr>
+          <p:cNvPr id="5" name="Rectangle 4"/>
+          <p:cNvSpPr/>
+          <p:nvPr/>
+        </p:nvSpPr>
+        <p:spPr>
+          <a:xfrm>
+            <a:off x="0" y="5143500"/>
+            <a:ext cx="9144000" cy="45719"/>
+          </a:xfrm>
+          <a:prstGeom prst="rect">
+            <a:avLst/>
+          </a:prstGeom>
+          <a:solidFill>
+            <a:srgbClr val="B8D847"/>
+          </a:solidFill>
+          <a:ln>
+            <a:noFill/>
+          </a:ln>
+        </p:spPr>
+        <p:style>
+          <a:lnRef idx="2">
+            <a:schemeClr val="accent1">
+              <a:shade val="50000"/>
+            </a:schemeClr>
+          </a:lnRef>
+          <a:fillRef idx="1">
+            <a:schemeClr val="accent1"/>
+          </a:fillRef>
+          <a:effectRef idx="0">
+            <a:schemeClr val="accent1"/>
+          </a:effectRef>
+          <a:fontRef idx="minor">
+            <a:schemeClr val="lt1"/>
+          </a:fontRef>
+        </p:style>
+        <p:txBody>
+          <a:bodyPr rtlCol="0" anchor="ctr"/>
+          <a:lstStyle/>
+          <a:p>
+            <a:pPr algn="ctr"/>
+            <a:endParaRPr lang="en-US"/>
+          </a:p>
+        </p:txBody>
+      </p:sp>
+      <p:pic>
+        <p:nvPicPr>
+          <p:cNvPr id="6" name="Picture 5"/>
+          <p:cNvPicPr>
+            <a:picLocks noChangeAspect="1"/>
+          </p:cNvPicPr>
+          <p:nvPr/>
+        </p:nvPicPr>
+        <p:blipFill>
+          <a:blip r:embed="rId3" cstate="print">
+            <a:extLst>
+              <a:ext uri="{28A0092B-C50C-407E-A947-70E740481C1C}">
+                <a14:useLocalDpi xmlns:a14="http://schemas.microsoft.com/office/drawing/2010/main"/>
+              </a:ext>
+            </a:extLst>
+          </a:blip>
+          <a:stretch>
+            <a:fillRect/>
+          </a:stretch>
+        </p:blipFill>
+        <p:spPr>
+          <a:xfrm>
+            <a:off x="0" y="0"/>
+            <a:ext cx="9144000" cy="980237"/>
+          </a:xfrm>
+          <a:prstGeom prst="rect">
+            <a:avLst/>
+          </a:prstGeom>
+        </p:spPr>
+      </p:pic>
+      <p:pic>
+        <p:nvPicPr>
+          <p:cNvPr id="3" name="Εικόνα 2">
+            <a:extLst>
+              <a:ext uri="{FF2B5EF4-FFF2-40B4-BE49-F238E27FC236}">
+                <a16:creationId xmlns:a16="http://schemas.microsoft.com/office/drawing/2014/main" id="{4488D073-2580-3A98-AFAE-75BE60E9CBBF}"/>
+              </a:ext>
+            </a:extLst>
+          </p:cNvPr>
+          <p:cNvPicPr>
+            <a:picLocks noChangeAspect="1"/>
+          </p:cNvPicPr>
+          <p:nvPr/>
+        </p:nvPicPr>
+        <p:blipFill>
+          <a:blip r:embed="rId4"/>
+          <a:stretch>
+            <a:fillRect/>
+          </a:stretch>
+        </p:blipFill>
+        <p:spPr>
+          <a:xfrm>
+            <a:off x="2413901" y="1788449"/>
+            <a:ext cx="4316198" cy="3078839"/>
+          </a:xfrm>
+          <a:prstGeom prst="rect">
+            <a:avLst/>
+          </a:prstGeom>
+        </p:spPr>
+      </p:pic>
+    </p:spTree>
+    <p:extLst>
+      <p:ext uri="{BB962C8B-B14F-4D97-AF65-F5344CB8AC3E}">
+        <p14:creationId xmlns:p14="http://schemas.microsoft.com/office/powerpoint/2010/main" val="110552324"/>
+      </p:ext>
+    </p:extLst>
+  </p:cSld>
+  <p:clrMapOvr>
+    <a:masterClrMapping/>
+  </p:clrMapOvr>
+</p:sld>
+</file>
+
+<file path=ppt/slides/slide4.xml><?xml version="1.0" encoding="utf-8"?>
 <p:sld xmlns:a="http://schemas.openxmlformats.org/drawingml/2006/main" xmlns:r="http://schemas.openxmlformats.org/officeDocument/2006/relationships" xmlns:p="http://schemas.openxmlformats.org/presentationml/2006/main">
   <p:cSld>
     <p:spTree>
@@ -7841,6 +9118,42 @@
           </a:p>
         </p:txBody>
       </p:sp>
+      <p:pic>
+        <p:nvPicPr>
+          <p:cNvPr id="4" name="Γραφικό 3">
+            <a:extLst>
+              <a:ext uri="{FF2B5EF4-FFF2-40B4-BE49-F238E27FC236}">
+                <a16:creationId xmlns:a16="http://schemas.microsoft.com/office/drawing/2014/main" id="{7AC442D2-2625-6EE3-13B5-85732654777C}"/>
+              </a:ext>
+            </a:extLst>
+          </p:cNvPr>
+          <p:cNvPicPr>
+            <a:picLocks noChangeAspect="1"/>
+          </p:cNvPicPr>
+          <p:nvPr/>
+        </p:nvPicPr>
+        <p:blipFill>
+          <a:blip r:embed="rId4">
+            <a:extLst>
+              <a:ext uri="{96DAC541-7B7A-43D3-8B79-37D633B846F1}">
+                <asvg:svgBlip xmlns:asvg="http://schemas.microsoft.com/office/drawing/2016/SVG/main" r:embed="rId5"/>
+              </a:ext>
+            </a:extLst>
+          </a:blip>
+          <a:stretch>
+            <a:fillRect/>
+          </a:stretch>
+        </p:blipFill>
+        <p:spPr>
+          <a:xfrm>
+            <a:off x="2207030" y="1788449"/>
+            <a:ext cx="4729939" cy="3086908"/>
+          </a:xfrm>
+          <a:prstGeom prst="rect">
+            <a:avLst/>
+          </a:prstGeom>
+        </p:spPr>
+      </p:pic>
     </p:spTree>
     <p:extLst>
       <p:ext uri="{BB962C8B-B14F-4D97-AF65-F5344CB8AC3E}">
@@ -7854,7 +9167,7 @@
 </p:sld>
 </file>
 
-<file path=ppt/slides/slide4.xml><?xml version="1.0" encoding="utf-8"?>
+<file path=ppt/slides/slide5.xml><?xml version="1.0" encoding="utf-8"?>
 <p:sld xmlns:a="http://schemas.openxmlformats.org/drawingml/2006/main" xmlns:r="http://schemas.openxmlformats.org/officeDocument/2006/relationships" xmlns:p="http://schemas.openxmlformats.org/presentationml/2006/main">
   <p:cSld>
     <p:spTree>
@@ -7912,7 +9225,260 @@
                 <a:cs typeface="Open Sans SemiBold"/>
                 <a:sym typeface="Open Sans SemiBold"/>
               </a:rPr>
-              <a:t>Is it Fair?</a:t>
+              <a:t>Carbon Leakage </a:t>
+            </a:r>
+            <a:endParaRPr sz="2800" dirty="0">
+              <a:latin typeface="Open Sans SemiBold"/>
+              <a:ea typeface="Open Sans SemiBold"/>
+              <a:cs typeface="Open Sans SemiBold"/>
+              <a:sym typeface="Open Sans SemiBold"/>
+            </a:endParaRPr>
+          </a:p>
+        </p:txBody>
+      </p:sp>
+      <p:sp>
+        <p:nvSpPr>
+          <p:cNvPr id="5" name="Rectangle 4"/>
+          <p:cNvSpPr/>
+          <p:nvPr/>
+        </p:nvSpPr>
+        <p:spPr>
+          <a:xfrm>
+            <a:off x="0" y="5143500"/>
+            <a:ext cx="9144000" cy="45719"/>
+          </a:xfrm>
+          <a:prstGeom prst="rect">
+            <a:avLst/>
+          </a:prstGeom>
+          <a:solidFill>
+            <a:srgbClr val="B8D847"/>
+          </a:solidFill>
+          <a:ln>
+            <a:noFill/>
+          </a:ln>
+        </p:spPr>
+        <p:style>
+          <a:lnRef idx="2">
+            <a:schemeClr val="accent1">
+              <a:shade val="50000"/>
+            </a:schemeClr>
+          </a:lnRef>
+          <a:fillRef idx="1">
+            <a:schemeClr val="accent1"/>
+          </a:fillRef>
+          <a:effectRef idx="0">
+            <a:schemeClr val="accent1"/>
+          </a:effectRef>
+          <a:fontRef idx="minor">
+            <a:schemeClr val="lt1"/>
+          </a:fontRef>
+        </p:style>
+        <p:txBody>
+          <a:bodyPr rtlCol="0" anchor="ctr"/>
+          <a:lstStyle/>
+          <a:p>
+            <a:pPr algn="ctr"/>
+            <a:endParaRPr lang="en-US"/>
+          </a:p>
+        </p:txBody>
+      </p:sp>
+      <p:pic>
+        <p:nvPicPr>
+          <p:cNvPr id="6" name="Picture 5"/>
+          <p:cNvPicPr>
+            <a:picLocks noChangeAspect="1"/>
+          </p:cNvPicPr>
+          <p:nvPr/>
+        </p:nvPicPr>
+        <p:blipFill>
+          <a:blip r:embed="rId3" cstate="print">
+            <a:extLst>
+              <a:ext uri="{28A0092B-C50C-407E-A947-70E740481C1C}">
+                <a14:useLocalDpi xmlns:a14="http://schemas.microsoft.com/office/drawing/2010/main"/>
+              </a:ext>
+            </a:extLst>
+          </a:blip>
+          <a:stretch>
+            <a:fillRect/>
+          </a:stretch>
+        </p:blipFill>
+        <p:spPr>
+          <a:xfrm>
+            <a:off x="0" y="0"/>
+            <a:ext cx="9144000" cy="980237"/>
+          </a:xfrm>
+          <a:prstGeom prst="rect">
+            <a:avLst/>
+          </a:prstGeom>
+        </p:spPr>
+      </p:pic>
+      <p:sp>
+        <p:nvSpPr>
+          <p:cNvPr id="2" name="TextBox 1">
+            <a:extLst>
+              <a:ext uri="{FF2B5EF4-FFF2-40B4-BE49-F238E27FC236}">
+                <a16:creationId xmlns:a16="http://schemas.microsoft.com/office/drawing/2014/main" id="{07F08F24-0A71-D840-B252-8D46E1342290}"/>
+              </a:ext>
+            </a:extLst>
+          </p:cNvPr>
+          <p:cNvSpPr txBox="1"/>
+          <p:nvPr/>
+        </p:nvSpPr>
+        <p:spPr>
+          <a:xfrm>
+            <a:off x="3188677" y="2375877"/>
+            <a:ext cx="2895344" cy="307777"/>
+          </a:xfrm>
+          <a:prstGeom prst="rect">
+            <a:avLst/>
+          </a:prstGeom>
+          <a:noFill/>
+        </p:spPr>
+        <p:txBody>
+          <a:bodyPr wrap="none" rtlCol="0">
+            <a:spAutoFit/>
+          </a:bodyPr>
+          <a:lstStyle/>
+          <a:p>
+            <a:r>
+              <a:rPr lang="en-US" dirty="0"/>
+              <a:t>Minimal </a:t>
+            </a:r>
+            <a:r>
+              <a:rPr lang="el-GR" dirty="0"/>
+              <a:t>σχέδιο που το περιγράφει</a:t>
+            </a:r>
+          </a:p>
+        </p:txBody>
+      </p:sp>
+      <p:pic>
+        <p:nvPicPr>
+          <p:cNvPr id="7" name="Γραφικό 6">
+            <a:extLst>
+              <a:ext uri="{FF2B5EF4-FFF2-40B4-BE49-F238E27FC236}">
+                <a16:creationId xmlns:a16="http://schemas.microsoft.com/office/drawing/2014/main" id="{A8D5F6F1-895A-21AE-0D49-637F859396E4}"/>
+              </a:ext>
+            </a:extLst>
+          </p:cNvPr>
+          <p:cNvPicPr>
+            <a:picLocks noChangeAspect="1"/>
+          </p:cNvPicPr>
+          <p:nvPr/>
+        </p:nvPicPr>
+        <p:blipFill>
+          <a:blip r:embed="rId4">
+            <a:extLst>
+              <a:ext uri="{96DAC541-7B7A-43D3-8B79-37D633B846F1}">
+                <asvg:svgBlip xmlns:asvg="http://schemas.microsoft.com/office/drawing/2016/SVG/main" r:embed="rId5"/>
+              </a:ext>
+            </a:extLst>
+          </a:blip>
+          <a:stretch>
+            <a:fillRect/>
+          </a:stretch>
+        </p:blipFill>
+        <p:spPr>
+          <a:xfrm>
+            <a:off x="2207029" y="1792928"/>
+            <a:ext cx="4729939" cy="3086907"/>
+          </a:xfrm>
+          <a:prstGeom prst="rect">
+            <a:avLst/>
+          </a:prstGeom>
+        </p:spPr>
+      </p:pic>
+    </p:spTree>
+    <p:extLst>
+      <p:ext uri="{BB962C8B-B14F-4D97-AF65-F5344CB8AC3E}">
+        <p14:creationId xmlns:p14="http://schemas.microsoft.com/office/powerpoint/2010/main" val="3066998627"/>
+      </p:ext>
+    </p:extLst>
+  </p:cSld>
+  <p:clrMapOvr>
+    <a:masterClrMapping/>
+  </p:clrMapOvr>
+</p:sld>
+</file>
+
+<file path=ppt/slides/slide6.xml><?xml version="1.0" encoding="utf-8"?>
+<p:sld xmlns:a="http://schemas.openxmlformats.org/drawingml/2006/main" xmlns:r="http://schemas.openxmlformats.org/officeDocument/2006/relationships" xmlns:p="http://schemas.openxmlformats.org/presentationml/2006/main">
+  <p:cSld>
+    <p:spTree>
+      <p:nvGrpSpPr>
+        <p:cNvPr id="1" name="Shape 61"/>
+        <p:cNvGrpSpPr/>
+        <p:nvPr/>
+      </p:nvGrpSpPr>
+      <p:grpSpPr>
+        <a:xfrm>
+          <a:off x="0" y="0"/>
+          <a:ext cx="0" cy="0"/>
+          <a:chOff x="0" y="0"/>
+          <a:chExt cx="0" cy="0"/>
+        </a:xfrm>
+      </p:grpSpPr>
+      <p:sp>
+        <p:nvSpPr>
+          <p:cNvPr id="63" name="Google Shape;63;p14"/>
+          <p:cNvSpPr txBox="1"/>
+          <p:nvPr/>
+        </p:nvSpPr>
+        <p:spPr>
+          <a:xfrm>
+            <a:off x="178200" y="1172926"/>
+            <a:ext cx="8965800" cy="1046410"/>
+          </a:xfrm>
+          <a:prstGeom prst="rect">
+            <a:avLst/>
+          </a:prstGeom>
+          <a:noFill/>
+          <a:ln>
+            <a:noFill/>
+          </a:ln>
+        </p:spPr>
+        <p:txBody>
+          <a:bodyPr spcFirstLastPara="1" wrap="square" lIns="91425" tIns="91425" rIns="91425" bIns="91425" anchor="t" anchorCtr="0">
+            <a:spAutoFit/>
+          </a:bodyPr>
+          <a:lstStyle/>
+          <a:p>
+            <a:pPr marL="0" lvl="0" indent="0" algn="l" rtl="0">
+              <a:spcBef>
+                <a:spcPts val="0"/>
+              </a:spcBef>
+              <a:spcAft>
+                <a:spcPts val="0"/>
+              </a:spcAft>
+              <a:buNone/>
+            </a:pPr>
+            <a:r>
+              <a:rPr lang="en-US" sz="2800" dirty="0">
+                <a:latin typeface="Open Sans SemiBold"/>
+                <a:ea typeface="Open Sans SemiBold"/>
+                <a:cs typeface="Open Sans SemiBold"/>
+                <a:sym typeface="Open Sans SemiBold"/>
+              </a:rPr>
+              <a:t>Equals treated</a:t>
+            </a:r>
+          </a:p>
+          <a:p>
+            <a:pPr marL="0" lvl="0" indent="0" algn="l" rtl="0">
+              <a:spcBef>
+                <a:spcPts val="0"/>
+              </a:spcBef>
+              <a:spcAft>
+                <a:spcPts val="0"/>
+              </a:spcAft>
+              <a:buNone/>
+            </a:pPr>
+            <a:r>
+              <a:rPr lang="en-US" sz="2800" dirty="0">
+                <a:latin typeface="Open Sans SemiBold"/>
+                <a:ea typeface="Open Sans SemiBold"/>
+                <a:cs typeface="Open Sans SemiBold"/>
+                <a:sym typeface="Open Sans SemiBold"/>
+              </a:rPr>
+              <a:t>Equally?</a:t>
             </a:r>
             <a:endParaRPr sz="2800" dirty="0">
               <a:latin typeface="Open Sans SemiBold"/>
@@ -8021,7 +9587,7 @@
         </p:blipFill>
         <p:spPr>
           <a:xfrm>
-            <a:off x="2754679" y="1128286"/>
+            <a:off x="3684710" y="1172926"/>
             <a:ext cx="3634642" cy="3634642"/>
           </a:xfrm>
           <a:prstGeom prst="rect">
@@ -8029,48 +9595,6 @@
           </a:prstGeom>
         </p:spPr>
       </p:pic>
-      <p:sp>
-        <p:nvSpPr>
-          <p:cNvPr id="4" name="TextBox 3">
-            <a:extLst>
-              <a:ext uri="{FF2B5EF4-FFF2-40B4-BE49-F238E27FC236}">
-                <a16:creationId xmlns:a16="http://schemas.microsoft.com/office/drawing/2014/main" id="{6BECD3D6-C81F-94E5-644D-6FC41372ABEA}"/>
-              </a:ext>
-            </a:extLst>
-          </p:cNvPr>
-          <p:cNvSpPr txBox="1"/>
-          <p:nvPr/>
-        </p:nvSpPr>
-        <p:spPr>
-          <a:xfrm>
-            <a:off x="6822831" y="3048000"/>
-            <a:ext cx="1895071" cy="523220"/>
-          </a:xfrm>
-          <a:prstGeom prst="rect">
-            <a:avLst/>
-          </a:prstGeom>
-          <a:noFill/>
-        </p:spPr>
-        <p:txBody>
-          <a:bodyPr wrap="none" rtlCol="0">
-            <a:spAutoFit/>
-          </a:bodyPr>
-          <a:lstStyle/>
-          <a:p>
-            <a:r>
-              <a:rPr lang="el-GR" dirty="0"/>
-              <a:t>Εδώ προφανώς θέλει</a:t>
-            </a:r>
-          </a:p>
-          <a:p>
-            <a:r>
-              <a:rPr lang="el-GR" dirty="0"/>
-              <a:t>Καλύτερο σχέδιο.</a:t>
-            </a:r>
-            <a:endParaRPr lang="en-US" dirty="0"/>
-          </a:p>
-        </p:txBody>
-      </p:sp>
     </p:spTree>
     <p:extLst>
       <p:ext uri="{BB962C8B-B14F-4D97-AF65-F5344CB8AC3E}">
@@ -8084,7 +9608,7 @@
 </p:sld>
 </file>
 
-<file path=ppt/slides/slide5.xml><?xml version="1.0" encoding="utf-8"?>
+<file path=ppt/slides/slide7.xml><?xml version="1.0" encoding="utf-8"?>
 <p:sld xmlns:a="http://schemas.openxmlformats.org/drawingml/2006/main" xmlns:r="http://schemas.openxmlformats.org/officeDocument/2006/relationships" xmlns:p="http://schemas.openxmlformats.org/presentationml/2006/main">
   <p:cSld>
     <p:spTree>
@@ -8356,7 +9880,7 @@
 </p:sld>
 </file>
 
-<file path=ppt/slides/slide6.xml><?xml version="1.0" encoding="utf-8"?>
+<file path=ppt/slides/slide8.xml><?xml version="1.0" encoding="utf-8"?>
 <p:sld xmlns:a="http://schemas.openxmlformats.org/drawingml/2006/main" xmlns:r="http://schemas.openxmlformats.org/officeDocument/2006/relationships" xmlns:p="http://schemas.openxmlformats.org/presentationml/2006/main">
   <p:cSld>
     <p:spTree>
@@ -8425,8 +9949,8 @@
           </a:p>
         </p:txBody>
       </p:sp>
-      <mc:AlternateContent xmlns:mc="http://schemas.openxmlformats.org/markup-compatibility/2006">
-        <mc:Choice xmlns:a14="http://schemas.microsoft.com/office/drawing/2010/main" Requires="a14">
+      <mc:AlternateContent xmlns:mc="http://schemas.openxmlformats.org/markup-compatibility/2006" xmlns:a14="http://schemas.microsoft.com/office/drawing/2010/main">
+        <mc:Choice Requires="a14">
           <p:sp>
             <p:nvSpPr>
               <p:cNvPr id="64" name="Google Shape;64;p14"/>
@@ -9763,7 +11287,7 @@
             </p:txBody>
           </p:sp>
         </mc:Choice>
-        <mc:Fallback>
+        <mc:Fallback xmlns="">
           <p:sp>
             <p:nvSpPr>
               <p:cNvPr id="64" name="Google Shape;64;p14"/>
@@ -9894,7 +11418,7 @@
 </p:sld>
 </file>
 
-<file path=ppt/slides/slide7.xml><?xml version="1.0" encoding="utf-8"?>
+<file path=ppt/slides/slide9.xml><?xml version="1.0" encoding="utf-8"?>
 <p:sld xmlns:a="http://schemas.openxmlformats.org/drawingml/2006/main" xmlns:r="http://schemas.openxmlformats.org/officeDocument/2006/relationships" xmlns:p="http://schemas.openxmlformats.org/presentationml/2006/main">
   <p:cSld>
     <p:spTree>
@@ -10265,308 +11789,6 @@
         </p:spPr>
       </p:pic>
     </p:spTree>
-  </p:cSld>
-  <p:clrMapOvr>
-    <a:masterClrMapping/>
-  </p:clrMapOvr>
-</p:sld>
-</file>
-
-<file path=ppt/slides/slide8.xml><?xml version="1.0" encoding="utf-8"?>
-<p:sld xmlns:a="http://schemas.openxmlformats.org/drawingml/2006/main" xmlns:r="http://schemas.openxmlformats.org/officeDocument/2006/relationships" xmlns:p="http://schemas.openxmlformats.org/presentationml/2006/main">
-  <p:cSld>
-    <p:spTree>
-      <p:nvGrpSpPr>
-        <p:cNvPr id="1" name="Shape 61"/>
-        <p:cNvGrpSpPr/>
-        <p:nvPr/>
-      </p:nvGrpSpPr>
-      <p:grpSpPr>
-        <a:xfrm>
-          <a:off x="0" y="0"/>
-          <a:ext cx="0" cy="0"/>
-          <a:chOff x="0" y="0"/>
-          <a:chExt cx="0" cy="0"/>
-        </a:xfrm>
-      </p:grpSpPr>
-      <p:sp>
-        <p:nvSpPr>
-          <p:cNvPr id="63" name="Google Shape;63;p14"/>
-          <p:cNvSpPr txBox="1"/>
-          <p:nvPr/>
-        </p:nvSpPr>
-        <p:spPr>
-          <a:xfrm>
-            <a:off x="178200" y="1172926"/>
-            <a:ext cx="8965800" cy="615523"/>
-          </a:xfrm>
-          <a:prstGeom prst="rect">
-            <a:avLst/>
-          </a:prstGeom>
-          <a:noFill/>
-          <a:ln>
-            <a:noFill/>
-          </a:ln>
-        </p:spPr>
-        <p:txBody>
-          <a:bodyPr spcFirstLastPara="1" wrap="square" lIns="91425" tIns="91425" rIns="91425" bIns="91425" anchor="t" anchorCtr="0">
-            <a:spAutoFit/>
-          </a:bodyPr>
-          <a:lstStyle/>
-          <a:p>
-            <a:pPr marL="0" lvl="0" indent="0" algn="l" rtl="0">
-              <a:spcBef>
-                <a:spcPts val="0"/>
-              </a:spcBef>
-              <a:spcAft>
-                <a:spcPts val="0"/>
-              </a:spcAft>
-              <a:buNone/>
-            </a:pPr>
-            <a:r>
-              <a:rPr lang="en-US" sz="2800" dirty="0">
-                <a:latin typeface="Open Sans SemiBold"/>
-                <a:ea typeface="Open Sans SemiBold"/>
-                <a:cs typeface="Open Sans SemiBold"/>
-                <a:sym typeface="Open Sans SemiBold"/>
-              </a:rPr>
-              <a:t>Demo</a:t>
-            </a:r>
-            <a:r>
-              <a:rPr lang="el" sz="2800" dirty="0">
-                <a:latin typeface="Open Sans SemiBold"/>
-                <a:ea typeface="Open Sans SemiBold"/>
-                <a:cs typeface="Open Sans SemiBold"/>
-                <a:sym typeface="Open Sans SemiBold"/>
-              </a:rPr>
-              <a:t> - “Open Sans Semibold </a:t>
-            </a:r>
-            <a:r>
-              <a:rPr lang="en-US" sz="2800" dirty="0">
-                <a:latin typeface="Open Sans SemiBold"/>
-                <a:ea typeface="Open Sans SemiBold"/>
-                <a:cs typeface="Open Sans SemiBold"/>
-                <a:sym typeface="Open Sans SemiBold"/>
-              </a:rPr>
-              <a:t>28</a:t>
-            </a:r>
-            <a:r>
-              <a:rPr lang="el" sz="2800" dirty="0">
-                <a:latin typeface="Open Sans SemiBold"/>
-                <a:ea typeface="Open Sans SemiBold"/>
-                <a:cs typeface="Open Sans SemiBold"/>
-                <a:sym typeface="Open Sans SemiBold"/>
-              </a:rPr>
-              <a:t>”</a:t>
-            </a:r>
-            <a:endParaRPr sz="2800" dirty="0">
-              <a:latin typeface="Open Sans SemiBold"/>
-              <a:ea typeface="Open Sans SemiBold"/>
-              <a:cs typeface="Open Sans SemiBold"/>
-              <a:sym typeface="Open Sans SemiBold"/>
-            </a:endParaRPr>
-          </a:p>
-        </p:txBody>
-      </p:sp>
-      <p:sp>
-        <p:nvSpPr>
-          <p:cNvPr id="64" name="Google Shape;64;p14"/>
-          <p:cNvSpPr txBox="1"/>
-          <p:nvPr/>
-        </p:nvSpPr>
-        <p:spPr>
-          <a:xfrm>
-            <a:off x="178200" y="1752588"/>
-            <a:ext cx="7377000" cy="369302"/>
-          </a:xfrm>
-          <a:prstGeom prst="rect">
-            <a:avLst/>
-          </a:prstGeom>
-          <a:noFill/>
-          <a:ln>
-            <a:noFill/>
-          </a:ln>
-        </p:spPr>
-        <p:txBody>
-          <a:bodyPr spcFirstLastPara="1" wrap="square" lIns="91425" tIns="91425" rIns="91425" bIns="91425" anchor="t" anchorCtr="0">
-            <a:spAutoFit/>
-          </a:bodyPr>
-          <a:lstStyle/>
-          <a:p>
-            <a:pPr marL="0" lvl="0" indent="0" algn="l" rtl="0">
-              <a:spcBef>
-                <a:spcPts val="0"/>
-              </a:spcBef>
-              <a:spcAft>
-                <a:spcPts val="0"/>
-              </a:spcAft>
-              <a:buNone/>
-            </a:pPr>
-            <a:r>
-              <a:rPr lang="el" sz="1200" dirty="0">
-                <a:latin typeface="Open Sans"/>
-                <a:ea typeface="Open Sans"/>
-                <a:cs typeface="Open Sans"/>
-                <a:sym typeface="Open Sans"/>
-              </a:rPr>
-              <a:t>Body Text - “Open Sans Regular 1</a:t>
-            </a:r>
-            <a:r>
-              <a:rPr lang="en-US" sz="1200" dirty="0">
-                <a:latin typeface="Open Sans"/>
-                <a:ea typeface="Open Sans"/>
-                <a:cs typeface="Open Sans"/>
-                <a:sym typeface="Open Sans"/>
-              </a:rPr>
-              <a:t>2</a:t>
-            </a:r>
-            <a:r>
-              <a:rPr lang="el" sz="1200" dirty="0">
-                <a:latin typeface="Open Sans"/>
-                <a:ea typeface="Open Sans"/>
-                <a:cs typeface="Open Sans"/>
-                <a:sym typeface="Open Sans"/>
-              </a:rPr>
-              <a:t>”</a:t>
-            </a:r>
-            <a:endParaRPr sz="1200" dirty="0">
-              <a:solidFill>
-                <a:schemeClr val="dk1"/>
-              </a:solidFill>
-              <a:latin typeface="Open Sans"/>
-              <a:ea typeface="Open Sans"/>
-              <a:cs typeface="Open Sans"/>
-              <a:sym typeface="Open Sans"/>
-            </a:endParaRPr>
-          </a:p>
-        </p:txBody>
-      </p:sp>
-      <p:sp>
-        <p:nvSpPr>
-          <p:cNvPr id="5" name="Rectangle 4"/>
-          <p:cNvSpPr/>
-          <p:nvPr/>
-        </p:nvSpPr>
-        <p:spPr>
-          <a:xfrm>
-            <a:off x="0" y="5143500"/>
-            <a:ext cx="9144000" cy="45719"/>
-          </a:xfrm>
-          <a:prstGeom prst="rect">
-            <a:avLst/>
-          </a:prstGeom>
-          <a:solidFill>
-            <a:srgbClr val="B8D847"/>
-          </a:solidFill>
-          <a:ln>
-            <a:noFill/>
-          </a:ln>
-        </p:spPr>
-        <p:style>
-          <a:lnRef idx="2">
-            <a:schemeClr val="accent1">
-              <a:shade val="50000"/>
-            </a:schemeClr>
-          </a:lnRef>
-          <a:fillRef idx="1">
-            <a:schemeClr val="accent1"/>
-          </a:fillRef>
-          <a:effectRef idx="0">
-            <a:schemeClr val="accent1"/>
-          </a:effectRef>
-          <a:fontRef idx="minor">
-            <a:schemeClr val="lt1"/>
-          </a:fontRef>
-        </p:style>
-        <p:txBody>
-          <a:bodyPr rtlCol="0" anchor="ctr"/>
-          <a:lstStyle/>
-          <a:p>
-            <a:pPr algn="ctr"/>
-            <a:endParaRPr lang="en-US"/>
-          </a:p>
-        </p:txBody>
-      </p:sp>
-      <p:pic>
-        <p:nvPicPr>
-          <p:cNvPr id="6" name="Picture 5"/>
-          <p:cNvPicPr>
-            <a:picLocks noChangeAspect="1"/>
-          </p:cNvPicPr>
-          <p:nvPr/>
-        </p:nvPicPr>
-        <p:blipFill>
-          <a:blip r:embed="rId3" cstate="print">
-            <a:extLst>
-              <a:ext uri="{28A0092B-C50C-407E-A947-70E740481C1C}">
-                <a14:useLocalDpi xmlns:a14="http://schemas.microsoft.com/office/drawing/2010/main"/>
-              </a:ext>
-            </a:extLst>
-          </a:blip>
-          <a:stretch>
-            <a:fillRect/>
-          </a:stretch>
-        </p:blipFill>
-        <p:spPr>
-          <a:xfrm>
-            <a:off x="0" y="0"/>
-            <a:ext cx="9144000" cy="980237"/>
-          </a:xfrm>
-          <a:prstGeom prst="rect">
-            <a:avLst/>
-          </a:prstGeom>
-        </p:spPr>
-      </p:pic>
-      <p:sp>
-        <p:nvSpPr>
-          <p:cNvPr id="2" name="TextBox 1">
-            <a:extLst>
-              <a:ext uri="{FF2B5EF4-FFF2-40B4-BE49-F238E27FC236}">
-                <a16:creationId xmlns:a16="http://schemas.microsoft.com/office/drawing/2014/main" id="{04565C24-4E24-95EA-4F54-98261D05F586}"/>
-              </a:ext>
-            </a:extLst>
-          </p:cNvPr>
-          <p:cNvSpPr txBox="1"/>
-          <p:nvPr/>
-        </p:nvSpPr>
-        <p:spPr>
-          <a:xfrm>
-            <a:off x="2453640" y="2903220"/>
-            <a:ext cx="3565400" cy="307777"/>
-          </a:xfrm>
-          <a:prstGeom prst="rect">
-            <a:avLst/>
-          </a:prstGeom>
-          <a:noFill/>
-        </p:spPr>
-        <p:txBody>
-          <a:bodyPr wrap="none" rtlCol="0">
-            <a:spAutoFit/>
-          </a:bodyPr>
-          <a:lstStyle/>
-          <a:p>
-            <a:r>
-              <a:rPr lang="el-GR" dirty="0"/>
-              <a:t>Διαφάνεια για να μείνει το </a:t>
-            </a:r>
-            <a:r>
-              <a:rPr lang="en-US" dirty="0"/>
-              <a:t>template </a:t>
-            </a:r>
-            <a:r>
-              <a:rPr lang="el-GR" dirty="0"/>
-              <a:t>κάπου</a:t>
-            </a:r>
-            <a:endParaRPr lang="en-US" dirty="0"/>
-          </a:p>
-        </p:txBody>
-      </p:sp>
-    </p:spTree>
-    <p:extLst>
-      <p:ext uri="{BB962C8B-B14F-4D97-AF65-F5344CB8AC3E}">
-        <p14:creationId xmlns:p14="http://schemas.microsoft.com/office/powerpoint/2010/main" val="1683670814"/>
-      </p:ext>
-    </p:extLst>
   </p:cSld>
   <p:clrMapOvr>
     <a:masterClrMapping/>
